--- a/HymnIcons.pptx
+++ b/HymnIcons.pptx
@@ -106,6 +106,22 @@
       </a:defRPr>
     </a:lvl9pPr>
   </p:defaultTextStyle>
+  <p:extLst>
+    <p:ext uri="{EFAFB233-063F-42B5-8137-9DF3F51BA10A}">
+      <p15:sldGuideLst xmlns:p15="http://schemas.microsoft.com/office/powerpoint/2012/main">
+        <p15:guide id="1" orient="horz" pos="2160">
+          <p15:clr>
+            <a:srgbClr val="A4A3A4"/>
+          </p15:clr>
+        </p15:guide>
+        <p15:guide id="2" pos="2880">
+          <p15:clr>
+            <a:srgbClr val="A4A3A4"/>
+          </p15:clr>
+        </p15:guide>
+      </p15:sldGuideLst>
+    </p:ext>
+  </p:extLst>
 </p:presentation>
 </file>
 
@@ -290,7 +306,7 @@
           <a:p>
             <a:fld id="{477B3B45-EB55-46BF-8EE7-F91257854600}" type="datetimeFigureOut">
               <a:rPr lang="en-US" smtClean="0"/>
-              <a:t>19/12/15</a:t>
+              <a:t>8/1/2016</a:t>
             </a:fld>
             <a:endParaRPr lang="en-US"/>
           </a:p>
@@ -455,7 +471,7 @@
           <a:p>
             <a:fld id="{477B3B45-EB55-46BF-8EE7-F91257854600}" type="datetimeFigureOut">
               <a:rPr lang="en-US" smtClean="0"/>
-              <a:t>19/12/15</a:t>
+              <a:t>8/1/2016</a:t>
             </a:fld>
             <a:endParaRPr lang="en-US"/>
           </a:p>
@@ -630,7 +646,7 @@
           <a:p>
             <a:fld id="{477B3B45-EB55-46BF-8EE7-F91257854600}" type="datetimeFigureOut">
               <a:rPr lang="en-US" smtClean="0"/>
-              <a:t>19/12/15</a:t>
+              <a:t>8/1/2016</a:t>
             </a:fld>
             <a:endParaRPr lang="en-US"/>
           </a:p>
@@ -795,7 +811,7 @@
           <a:p>
             <a:fld id="{477B3B45-EB55-46BF-8EE7-F91257854600}" type="datetimeFigureOut">
               <a:rPr lang="en-US" smtClean="0"/>
-              <a:t>19/12/15</a:t>
+              <a:t>8/1/2016</a:t>
             </a:fld>
             <a:endParaRPr lang="en-US"/>
           </a:p>
@@ -1036,7 +1052,7 @@
           <a:p>
             <a:fld id="{477B3B45-EB55-46BF-8EE7-F91257854600}" type="datetimeFigureOut">
               <a:rPr lang="en-US" smtClean="0"/>
-              <a:t>19/12/15</a:t>
+              <a:t>8/1/2016</a:t>
             </a:fld>
             <a:endParaRPr lang="en-US"/>
           </a:p>
@@ -1319,7 +1335,7 @@
           <a:p>
             <a:fld id="{477B3B45-EB55-46BF-8EE7-F91257854600}" type="datetimeFigureOut">
               <a:rPr lang="en-US" smtClean="0"/>
-              <a:t>19/12/15</a:t>
+              <a:t>8/1/2016</a:t>
             </a:fld>
             <a:endParaRPr lang="en-US"/>
           </a:p>
@@ -1736,7 +1752,7 @@
           <a:p>
             <a:fld id="{477B3B45-EB55-46BF-8EE7-F91257854600}" type="datetimeFigureOut">
               <a:rPr lang="en-US" smtClean="0"/>
-              <a:t>19/12/15</a:t>
+              <a:t>8/1/2016</a:t>
             </a:fld>
             <a:endParaRPr lang="en-US"/>
           </a:p>
@@ -1849,7 +1865,7 @@
           <a:p>
             <a:fld id="{477B3B45-EB55-46BF-8EE7-F91257854600}" type="datetimeFigureOut">
               <a:rPr lang="en-US" smtClean="0"/>
-              <a:t>19/12/15</a:t>
+              <a:t>8/1/2016</a:t>
             </a:fld>
             <a:endParaRPr lang="en-US"/>
           </a:p>
@@ -1939,7 +1955,7 @@
           <a:p>
             <a:fld id="{477B3B45-EB55-46BF-8EE7-F91257854600}" type="datetimeFigureOut">
               <a:rPr lang="en-US" smtClean="0"/>
-              <a:t>19/12/15</a:t>
+              <a:t>8/1/2016</a:t>
             </a:fld>
             <a:endParaRPr lang="en-US"/>
           </a:p>
@@ -2211,7 +2227,7 @@
           <a:p>
             <a:fld id="{477B3B45-EB55-46BF-8EE7-F91257854600}" type="datetimeFigureOut">
               <a:rPr lang="en-US" smtClean="0"/>
-              <a:t>19/12/15</a:t>
+              <a:t>8/1/2016</a:t>
             </a:fld>
             <a:endParaRPr lang="en-US"/>
           </a:p>
@@ -2459,7 +2475,7 @@
           <a:p>
             <a:fld id="{477B3B45-EB55-46BF-8EE7-F91257854600}" type="datetimeFigureOut">
               <a:rPr lang="en-US" smtClean="0"/>
-              <a:t>19/12/15</a:t>
+              <a:t>8/1/2016</a:t>
             </a:fld>
             <a:endParaRPr lang="en-US"/>
           </a:p>
@@ -2667,7 +2683,7 @@
           <a:p>
             <a:fld id="{477B3B45-EB55-46BF-8EE7-F91257854600}" type="datetimeFigureOut">
               <a:rPr lang="en-US" smtClean="0"/>
-              <a:t>19/12/15</a:t>
+              <a:t>8/1/2016</a:t>
             </a:fld>
             <a:endParaRPr lang="en-US"/>
           </a:p>
@@ -3833,14 +3849,6 @@
               </a:rPr>
               <a:t>K</a:t>
             </a:r>
-            <a:endParaRPr lang="en-US" sz="9600" dirty="0">
-              <a:solidFill>
-                <a:schemeClr val="bg1">
-                  <a:lumMod val="95000"/>
-                </a:schemeClr>
-              </a:solidFill>
-              <a:latin typeface="Century" pitchFamily="18" charset="0"/>
-            </a:endParaRPr>
           </a:p>
         </p:txBody>
       </p:sp>
@@ -3882,6 +3890,124 @@
               <a:rPr lang="en-US" dirty="0" smtClean="0"/>
               <a:t>300 – A1887F</a:t>
             </a:r>
+          </a:p>
+        </p:txBody>
+      </p:sp>
+      <p:sp>
+        <p:nvSpPr>
+          <p:cNvPr id="6" name="Rounded Rectangle 5"/>
+          <p:cNvSpPr/>
+          <p:nvPr/>
+        </p:nvSpPr>
+        <p:spPr>
+          <a:xfrm>
+            <a:off x="1155551" y="3352800"/>
+            <a:ext cx="2057400" cy="2057400"/>
+          </a:xfrm>
+          <a:prstGeom prst="roundRect">
+            <a:avLst/>
+          </a:prstGeom>
+          <a:solidFill>
+            <a:srgbClr val="7986CB"/>
+          </a:solidFill>
+          <a:ln w="76200">
+            <a:solidFill>
+              <a:srgbClr val="3F51B5"/>
+            </a:solidFill>
+          </a:ln>
+        </p:spPr>
+        <p:style>
+          <a:lnRef idx="1">
+            <a:schemeClr val="dk1"/>
+          </a:lnRef>
+          <a:fillRef idx="2">
+            <a:schemeClr val="dk1"/>
+          </a:fillRef>
+          <a:effectRef idx="1">
+            <a:schemeClr val="dk1"/>
+          </a:effectRef>
+          <a:fontRef idx="minor">
+            <a:schemeClr val="dk1"/>
+          </a:fontRef>
+        </p:style>
+        <p:txBody>
+          <a:bodyPr rtlCol="0" anchor="ctr">
+            <a:normAutofit/>
+          </a:bodyPr>
+          <a:lstStyle/>
+          <a:p>
+            <a:pPr algn="ctr"/>
+            <a:r>
+              <a:rPr lang="en-US" sz="9600" dirty="0">
+                <a:solidFill>
+                  <a:schemeClr val="bg1">
+                    <a:lumMod val="95000"/>
+                  </a:schemeClr>
+                </a:solidFill>
+                <a:latin typeface="Century" pitchFamily="18" charset="0"/>
+              </a:rPr>
+              <a:t>S</a:t>
+            </a:r>
+            <a:endParaRPr lang="en-US" sz="9600" dirty="0">
+              <a:solidFill>
+                <a:schemeClr val="bg1">
+                  <a:lumMod val="95000"/>
+                </a:schemeClr>
+              </a:solidFill>
+              <a:latin typeface="Century" pitchFamily="18" charset="0"/>
+            </a:endParaRPr>
+          </a:p>
+        </p:txBody>
+      </p:sp>
+      <p:sp>
+        <p:nvSpPr>
+          <p:cNvPr id="7" name="TextBox 6"/>
+          <p:cNvSpPr txBox="1"/>
+          <p:nvPr/>
+        </p:nvSpPr>
+        <p:spPr>
+          <a:xfrm>
+            <a:off x="3962400" y="3733800"/>
+            <a:ext cx="3276600" cy="923330"/>
+          </a:xfrm>
+          <a:prstGeom prst="rect">
+            <a:avLst/>
+          </a:prstGeom>
+          <a:noFill/>
+        </p:spPr>
+        <p:txBody>
+          <a:bodyPr wrap="square" rtlCol="0">
+            <a:spAutoFit/>
+          </a:bodyPr>
+          <a:lstStyle/>
+          <a:p>
+            <a:r>
+              <a:rPr lang="en-US" dirty="0" smtClean="0"/>
+              <a:t>Indigo – </a:t>
+            </a:r>
+            <a:endParaRPr lang="en-US" dirty="0" smtClean="0"/>
+          </a:p>
+          <a:p>
+            <a:r>
+              <a:rPr lang="en-US" dirty="0" smtClean="0"/>
+              <a:t>500 – </a:t>
+            </a:r>
+            <a:r>
+              <a:rPr lang="en-SG" dirty="0" smtClean="0"/>
+              <a:t>3f51b5 – 63 81 181</a:t>
+            </a:r>
+            <a:endParaRPr lang="en-US" dirty="0" smtClean="0"/>
+          </a:p>
+          <a:p>
+            <a:r>
+              <a:rPr lang="en-US" dirty="0" smtClean="0"/>
+              <a:t>300 – </a:t>
+            </a:r>
+            <a:r>
+              <a:rPr lang="en-SG" dirty="0" smtClean="0"/>
+              <a:t>7986cb – 121 134 203</a:t>
+            </a:r>
+            <a:endParaRPr lang="en-US" dirty="0" smtClean="0"/>
           </a:p>
         </p:txBody>
       </p:sp>

--- a/HymnIcons.pptx
+++ b/HymnIcons.pptx
@@ -8,6 +8,7 @@
     <p:sldId id="256" r:id="rId2"/>
     <p:sldId id="257" r:id="rId3"/>
     <p:sldId id="258" r:id="rId4"/>
+    <p:sldId id="259" r:id="rId5"/>
   </p:sldIdLst>
   <p:sldSz cx="9144000" cy="6858000" type="screen4x3"/>
   <p:notesSz cx="6858000" cy="9144000"/>
@@ -108,7 +109,7 @@
   </p:defaultTextStyle>
   <p:extLst>
     <p:ext uri="{EFAFB233-063F-42B5-8137-9DF3F51BA10A}">
-      <p15:sldGuideLst xmlns:p15="http://schemas.microsoft.com/office/powerpoint/2012/main">
+      <p15:sldGuideLst xmlns:p15="http://schemas.microsoft.com/office/powerpoint/2012/main" xmlns="">
         <p15:guide id="1" orient="horz" pos="2160">
           <p15:clr>
             <a:srgbClr val="A4A3A4"/>
@@ -306,7 +307,7 @@
           <a:p>
             <a:fld id="{477B3B45-EB55-46BF-8EE7-F91257854600}" type="datetimeFigureOut">
               <a:rPr lang="en-US" smtClean="0"/>
-              <a:t>8/1/2016</a:t>
+              <a:t>19/4/17</a:t>
             </a:fld>
             <a:endParaRPr lang="en-US"/>
           </a:p>
@@ -471,7 +472,7 @@
           <a:p>
             <a:fld id="{477B3B45-EB55-46BF-8EE7-F91257854600}" type="datetimeFigureOut">
               <a:rPr lang="en-US" smtClean="0"/>
-              <a:t>8/1/2016</a:t>
+              <a:t>19/4/17</a:t>
             </a:fld>
             <a:endParaRPr lang="en-US"/>
           </a:p>
@@ -646,7 +647,7 @@
           <a:p>
             <a:fld id="{477B3B45-EB55-46BF-8EE7-F91257854600}" type="datetimeFigureOut">
               <a:rPr lang="en-US" smtClean="0"/>
-              <a:t>8/1/2016</a:t>
+              <a:t>19/4/17</a:t>
             </a:fld>
             <a:endParaRPr lang="en-US"/>
           </a:p>
@@ -811,7 +812,7 @@
           <a:p>
             <a:fld id="{477B3B45-EB55-46BF-8EE7-F91257854600}" type="datetimeFigureOut">
               <a:rPr lang="en-US" smtClean="0"/>
-              <a:t>8/1/2016</a:t>
+              <a:t>19/4/17</a:t>
             </a:fld>
             <a:endParaRPr lang="en-US"/>
           </a:p>
@@ -1052,7 +1053,7 @@
           <a:p>
             <a:fld id="{477B3B45-EB55-46BF-8EE7-F91257854600}" type="datetimeFigureOut">
               <a:rPr lang="en-US" smtClean="0"/>
-              <a:t>8/1/2016</a:t>
+              <a:t>19/4/17</a:t>
             </a:fld>
             <a:endParaRPr lang="en-US"/>
           </a:p>
@@ -1335,7 +1336,7 @@
           <a:p>
             <a:fld id="{477B3B45-EB55-46BF-8EE7-F91257854600}" type="datetimeFigureOut">
               <a:rPr lang="en-US" smtClean="0"/>
-              <a:t>8/1/2016</a:t>
+              <a:t>19/4/17</a:t>
             </a:fld>
             <a:endParaRPr lang="en-US"/>
           </a:p>
@@ -1752,7 +1753,7 @@
           <a:p>
             <a:fld id="{477B3B45-EB55-46BF-8EE7-F91257854600}" type="datetimeFigureOut">
               <a:rPr lang="en-US" smtClean="0"/>
-              <a:t>8/1/2016</a:t>
+              <a:t>19/4/17</a:t>
             </a:fld>
             <a:endParaRPr lang="en-US"/>
           </a:p>
@@ -1865,7 +1866,7 @@
           <a:p>
             <a:fld id="{477B3B45-EB55-46BF-8EE7-F91257854600}" type="datetimeFigureOut">
               <a:rPr lang="en-US" smtClean="0"/>
-              <a:t>8/1/2016</a:t>
+              <a:t>19/4/17</a:t>
             </a:fld>
             <a:endParaRPr lang="en-US"/>
           </a:p>
@@ -1955,7 +1956,7 @@
           <a:p>
             <a:fld id="{477B3B45-EB55-46BF-8EE7-F91257854600}" type="datetimeFigureOut">
               <a:rPr lang="en-US" smtClean="0"/>
-              <a:t>8/1/2016</a:t>
+              <a:t>19/4/17</a:t>
             </a:fld>
             <a:endParaRPr lang="en-US"/>
           </a:p>
@@ -2227,7 +2228,7 @@
           <a:p>
             <a:fld id="{477B3B45-EB55-46BF-8EE7-F91257854600}" type="datetimeFigureOut">
               <a:rPr lang="en-US" smtClean="0"/>
-              <a:t>8/1/2016</a:t>
+              <a:t>19/4/17</a:t>
             </a:fld>
             <a:endParaRPr lang="en-US"/>
           </a:p>
@@ -2475,7 +2476,7 @@
           <a:p>
             <a:fld id="{477B3B45-EB55-46BF-8EE7-F91257854600}" type="datetimeFigureOut">
               <a:rPr lang="en-US" smtClean="0"/>
-              <a:t>8/1/2016</a:t>
+              <a:t>19/4/17</a:t>
             </a:fld>
             <a:endParaRPr lang="en-US"/>
           </a:p>
@@ -2683,7 +2684,7 @@
           <a:p>
             <a:fld id="{477B3B45-EB55-46BF-8EE7-F91257854600}" type="datetimeFigureOut">
               <a:rPr lang="en-US" smtClean="0"/>
-              <a:t>8/1/2016</a:t>
+              <a:t>19/4/17</a:t>
             </a:fld>
             <a:endParaRPr lang="en-US"/>
           </a:p>
@@ -3948,14 +3949,6 @@
               </a:rPr>
               <a:t>S</a:t>
             </a:r>
-            <a:endParaRPr lang="en-US" sz="9600" dirty="0">
-              <a:solidFill>
-                <a:schemeClr val="bg1">
-                  <a:lumMod val="95000"/>
-                </a:schemeClr>
-              </a:solidFill>
-              <a:latin typeface="Century" pitchFamily="18" charset="0"/>
-            </a:endParaRPr>
           </a:p>
         </p:txBody>
       </p:sp>
@@ -3985,7 +3978,6 @@
               <a:rPr lang="en-US" dirty="0" smtClean="0"/>
               <a:t>Indigo – </a:t>
             </a:r>
-            <a:endParaRPr lang="en-US" dirty="0" smtClean="0"/>
           </a:p>
           <a:p>
             <a:r>
@@ -4015,6 +4007,158 @@
     <p:extLst>
       <p:ext uri="{BB962C8B-B14F-4D97-AF65-F5344CB8AC3E}">
         <p14:creationId xmlns:p14="http://schemas.microsoft.com/office/powerpoint/2010/main" val="1929718000"/>
+      </p:ext>
+    </p:extLst>
+  </p:cSld>
+  <p:clrMapOvr>
+    <a:masterClrMapping/>
+  </p:clrMapOvr>
+</p:sld>
+</file>
+
+<file path=ppt/slides/slide4.xml><?xml version="1.0" encoding="utf-8"?>
+<p:sld xmlns:a="http://schemas.openxmlformats.org/drawingml/2006/main" xmlns:r="http://schemas.openxmlformats.org/officeDocument/2006/relationships" xmlns:p="http://schemas.openxmlformats.org/presentationml/2006/main">
+  <p:cSld>
+    <p:spTree>
+      <p:nvGrpSpPr>
+        <p:cNvPr id="1" name=""/>
+        <p:cNvGrpSpPr/>
+        <p:nvPr/>
+      </p:nvGrpSpPr>
+      <p:grpSpPr>
+        <a:xfrm>
+          <a:off x="0" y="0"/>
+          <a:ext cx="0" cy="0"/>
+          <a:chOff x="0" y="0"/>
+          <a:chExt cx="0" cy="0"/>
+        </a:xfrm>
+      </p:grpSpPr>
+      <p:sp>
+        <p:nvSpPr>
+          <p:cNvPr id="4" name="Rounded Rectangle 3"/>
+          <p:cNvSpPr/>
+          <p:nvPr/>
+        </p:nvSpPr>
+        <p:spPr>
+          <a:xfrm>
+            <a:off x="1155551" y="3352800"/>
+            <a:ext cx="2057400" cy="2057400"/>
+          </a:xfrm>
+          <a:prstGeom prst="roundRect">
+            <a:avLst/>
+          </a:prstGeom>
+          <a:solidFill>
+            <a:srgbClr val="FF8A65"/>
+          </a:solidFill>
+          <a:ln w="76200">
+            <a:solidFill>
+              <a:srgbClr val="FF5722"/>
+            </a:solidFill>
+          </a:ln>
+        </p:spPr>
+        <p:style>
+          <a:lnRef idx="1">
+            <a:schemeClr val="dk1"/>
+          </a:lnRef>
+          <a:fillRef idx="2">
+            <a:schemeClr val="dk1"/>
+          </a:fillRef>
+          <a:effectRef idx="1">
+            <a:schemeClr val="dk1"/>
+          </a:effectRef>
+          <a:fontRef idx="minor">
+            <a:schemeClr val="dk1"/>
+          </a:fontRef>
+        </p:style>
+        <p:txBody>
+          <a:bodyPr rtlCol="0" anchor="ctr">
+            <a:normAutofit/>
+          </a:bodyPr>
+          <a:lstStyle/>
+          <a:p>
+            <a:pPr algn="ctr"/>
+            <a:r>
+              <a:rPr lang="en-US" sz="9600" dirty="0">
+                <a:solidFill>
+                  <a:schemeClr val="bg1">
+                    <a:lumMod val="95000"/>
+                  </a:schemeClr>
+                </a:solidFill>
+                <a:latin typeface="Century" pitchFamily="18" charset="0"/>
+              </a:rPr>
+              <a:t>G</a:t>
+            </a:r>
+            <a:endParaRPr lang="en-US" sz="9600" dirty="0">
+              <a:solidFill>
+                <a:schemeClr val="bg1">
+                  <a:lumMod val="95000"/>
+                </a:schemeClr>
+              </a:solidFill>
+              <a:latin typeface="Century" pitchFamily="18" charset="0"/>
+            </a:endParaRPr>
+          </a:p>
+        </p:txBody>
+      </p:sp>
+      <p:sp>
+        <p:nvSpPr>
+          <p:cNvPr id="5" name="TextBox 4"/>
+          <p:cNvSpPr txBox="1"/>
+          <p:nvPr/>
+        </p:nvSpPr>
+        <p:spPr>
+          <a:xfrm>
+            <a:off x="3962400" y="3733800"/>
+            <a:ext cx="3276600" cy="923330"/>
+          </a:xfrm>
+          <a:prstGeom prst="rect">
+            <a:avLst/>
+          </a:prstGeom>
+          <a:noFill/>
+        </p:spPr>
+        <p:txBody>
+          <a:bodyPr wrap="square" rtlCol="0">
+            <a:spAutoFit/>
+          </a:bodyPr>
+          <a:lstStyle/>
+          <a:p>
+            <a:r>
+              <a:rPr lang="en-US" dirty="0" smtClean="0"/>
+              <a:t>Deep orange</a:t>
+            </a:r>
+            <a:r>
+              <a:rPr lang="en-US" dirty="0" smtClean="0"/>
+              <a:t>– </a:t>
+            </a:r>
+            <a:endParaRPr lang="en-US" dirty="0" smtClean="0"/>
+          </a:p>
+          <a:p>
+            <a:r>
+              <a:rPr lang="en-US" dirty="0" smtClean="0"/>
+              <a:t>500 </a:t>
+            </a:r>
+            <a:r>
+              <a:rPr lang="x-none" dirty="0" smtClean="0"/>
+              <a:t> - ff5722</a:t>
+            </a:r>
+            <a:endParaRPr lang="en-US" dirty="0" smtClean="0"/>
+          </a:p>
+          <a:p>
+            <a:r>
+              <a:rPr lang="en-US" dirty="0" smtClean="0"/>
+              <a:t>300 – </a:t>
+            </a:r>
+            <a:r>
+              <a:rPr lang="en-SG" dirty="0" smtClean="0"/>
+              <a:t>ff8a65</a:t>
+            </a:r>
+            <a:endParaRPr lang="en-US" dirty="0" smtClean="0"/>
+          </a:p>
+        </p:txBody>
+      </p:sp>
+    </p:spTree>
+    <p:extLst>
+      <p:ext uri="{BB962C8B-B14F-4D97-AF65-F5344CB8AC3E}">
+        <p14:creationId xmlns:p14="http://schemas.microsoft.com/office/powerpoint/2010/main" val="285577697"/>
       </p:ext>
     </p:extLst>
   </p:cSld>

--- a/HymnIcons.pptx
+++ b/HymnIcons.pptx
@@ -4,11 +4,16 @@
   <p:sldMasterIdLst>
     <p:sldMasterId id="2147483648" r:id="rId1"/>
   </p:sldMasterIdLst>
+  <p:notesMasterIdLst>
+    <p:notesMasterId r:id="rId8"/>
+  </p:notesMasterIdLst>
   <p:sldIdLst>
     <p:sldId id="256" r:id="rId2"/>
     <p:sldId id="257" r:id="rId3"/>
     <p:sldId id="258" r:id="rId4"/>
     <p:sldId id="259" r:id="rId5"/>
+    <p:sldId id="261" r:id="rId6"/>
+    <p:sldId id="263" r:id="rId7"/>
   </p:sldIdLst>
   <p:sldSz cx="9144000" cy="6858000" type="screen4x3"/>
   <p:notesSz cx="6858000" cy="9144000"/>
@@ -109,7 +114,7 @@
   </p:defaultTextStyle>
   <p:extLst>
     <p:ext uri="{EFAFB233-063F-42B5-8137-9DF3F51BA10A}">
-      <p15:sldGuideLst xmlns:p15="http://schemas.microsoft.com/office/powerpoint/2012/main" xmlns="">
+      <p15:sldGuideLst xmlns:p15="http://schemas.microsoft.com/office/powerpoint/2012/main">
         <p15:guide id="1" orient="horz" pos="2160">
           <p15:clr>
             <a:srgbClr val="A4A3A4"/>
@@ -124,6 +129,439 @@
     </p:ext>
   </p:extLst>
 </p:presentation>
+</file>
+
+<file path=ppt/notesMasters/notesMaster1.xml><?xml version="1.0" encoding="utf-8"?>
+<p:notesMaster xmlns:a="http://schemas.openxmlformats.org/drawingml/2006/main" xmlns:r="http://schemas.openxmlformats.org/officeDocument/2006/relationships" xmlns:p="http://schemas.openxmlformats.org/presentationml/2006/main">
+  <p:cSld>
+    <p:bg>
+      <p:bgRef idx="1001">
+        <a:schemeClr val="bg1"/>
+      </p:bgRef>
+    </p:bg>
+    <p:spTree>
+      <p:nvGrpSpPr>
+        <p:cNvPr id="1" name=""/>
+        <p:cNvGrpSpPr/>
+        <p:nvPr/>
+      </p:nvGrpSpPr>
+      <p:grpSpPr>
+        <a:xfrm>
+          <a:off x="0" y="0"/>
+          <a:ext cx="0" cy="0"/>
+          <a:chOff x="0" y="0"/>
+          <a:chExt cx="0" cy="0"/>
+        </a:xfrm>
+      </p:grpSpPr>
+      <p:sp>
+        <p:nvSpPr>
+          <p:cNvPr id="2" name="Header Placeholder 1"/>
+          <p:cNvSpPr>
+            <a:spLocks noGrp="1"/>
+          </p:cNvSpPr>
+          <p:nvPr>
+            <p:ph type="hdr" sz="quarter"/>
+          </p:nvPr>
+        </p:nvSpPr>
+        <p:spPr>
+          <a:xfrm>
+            <a:off x="0" y="0"/>
+            <a:ext cx="2971800" cy="458788"/>
+          </a:xfrm>
+          <a:prstGeom prst="rect">
+            <a:avLst/>
+          </a:prstGeom>
+        </p:spPr>
+        <p:txBody>
+          <a:bodyPr vert="horz" lIns="91440" tIns="45720" rIns="91440" bIns="45720" rtlCol="0"/>
+          <a:lstStyle>
+            <a:lvl1pPr algn="l">
+              <a:defRPr sz="1200"/>
+            </a:lvl1pPr>
+          </a:lstStyle>
+          <a:p>
+            <a:endParaRPr lang="en-US"/>
+          </a:p>
+        </p:txBody>
+      </p:sp>
+      <p:sp>
+        <p:nvSpPr>
+          <p:cNvPr id="3" name="Date Placeholder 2"/>
+          <p:cNvSpPr>
+            <a:spLocks noGrp="1"/>
+          </p:cNvSpPr>
+          <p:nvPr>
+            <p:ph type="dt" idx="1"/>
+          </p:nvPr>
+        </p:nvSpPr>
+        <p:spPr>
+          <a:xfrm>
+            <a:off x="3884613" y="0"/>
+            <a:ext cx="2971800" cy="458788"/>
+          </a:xfrm>
+          <a:prstGeom prst="rect">
+            <a:avLst/>
+          </a:prstGeom>
+        </p:spPr>
+        <p:txBody>
+          <a:bodyPr vert="horz" lIns="91440" tIns="45720" rIns="91440" bIns="45720" rtlCol="0"/>
+          <a:lstStyle>
+            <a:lvl1pPr algn="r">
+              <a:defRPr sz="1200"/>
+            </a:lvl1pPr>
+          </a:lstStyle>
+          <a:p>
+            <a:fld id="{EF9CD902-8637-1048-BDEB-F124F7F64116}" type="datetimeFigureOut">
+              <a:rPr lang="en-US" smtClean="0"/>
+              <a:t>6/18/19</a:t>
+            </a:fld>
+            <a:endParaRPr lang="en-US"/>
+          </a:p>
+        </p:txBody>
+      </p:sp>
+      <p:sp>
+        <p:nvSpPr>
+          <p:cNvPr id="4" name="Slide Image Placeholder 3"/>
+          <p:cNvSpPr>
+            <a:spLocks noGrp="1" noRot="1" noChangeAspect="1"/>
+          </p:cNvSpPr>
+          <p:nvPr>
+            <p:ph type="sldImg" idx="2"/>
+          </p:nvPr>
+        </p:nvSpPr>
+        <p:spPr>
+          <a:xfrm>
+            <a:off x="1371600" y="1143000"/>
+            <a:ext cx="4114800" cy="3086100"/>
+          </a:xfrm>
+          <a:prstGeom prst="rect">
+            <a:avLst/>
+          </a:prstGeom>
+          <a:noFill/>
+          <a:ln w="12700">
+            <a:solidFill>
+              <a:prstClr val="black"/>
+            </a:solidFill>
+          </a:ln>
+        </p:spPr>
+        <p:txBody>
+          <a:bodyPr vert="horz" lIns="91440" tIns="45720" rIns="91440" bIns="45720" rtlCol="0" anchor="ctr"/>
+          <a:lstStyle/>
+          <a:p>
+            <a:endParaRPr lang="en-US"/>
+          </a:p>
+        </p:txBody>
+      </p:sp>
+      <p:sp>
+        <p:nvSpPr>
+          <p:cNvPr id="5" name="Notes Placeholder 4"/>
+          <p:cNvSpPr>
+            <a:spLocks noGrp="1"/>
+          </p:cNvSpPr>
+          <p:nvPr>
+            <p:ph type="body" sz="quarter" idx="3"/>
+          </p:nvPr>
+        </p:nvSpPr>
+        <p:spPr>
+          <a:xfrm>
+            <a:off x="685800" y="4400550"/>
+            <a:ext cx="5486400" cy="3600450"/>
+          </a:xfrm>
+          <a:prstGeom prst="rect">
+            <a:avLst/>
+          </a:prstGeom>
+        </p:spPr>
+        <p:txBody>
+          <a:bodyPr vert="horz" lIns="91440" tIns="45720" rIns="91440" bIns="45720" rtlCol="0"/>
+          <a:lstStyle/>
+          <a:p>
+            <a:pPr lvl="0"/>
+            <a:r>
+              <a:rPr lang="en-US"/>
+              <a:t>Click to edit Master text styles</a:t>
+            </a:r>
+          </a:p>
+          <a:p>
+            <a:pPr lvl="1"/>
+            <a:r>
+              <a:rPr lang="en-US"/>
+              <a:t>Second level</a:t>
+            </a:r>
+          </a:p>
+          <a:p>
+            <a:pPr lvl="2"/>
+            <a:r>
+              <a:rPr lang="en-US"/>
+              <a:t>Third level</a:t>
+            </a:r>
+          </a:p>
+          <a:p>
+            <a:pPr lvl="3"/>
+            <a:r>
+              <a:rPr lang="en-US"/>
+              <a:t>Fourth level</a:t>
+            </a:r>
+          </a:p>
+          <a:p>
+            <a:pPr lvl="4"/>
+            <a:r>
+              <a:rPr lang="en-US"/>
+              <a:t>Fifth level</a:t>
+            </a:r>
+          </a:p>
+        </p:txBody>
+      </p:sp>
+      <p:sp>
+        <p:nvSpPr>
+          <p:cNvPr id="6" name="Footer Placeholder 5"/>
+          <p:cNvSpPr>
+            <a:spLocks noGrp="1"/>
+          </p:cNvSpPr>
+          <p:nvPr>
+            <p:ph type="ftr" sz="quarter" idx="4"/>
+          </p:nvPr>
+        </p:nvSpPr>
+        <p:spPr>
+          <a:xfrm>
+            <a:off x="0" y="8685213"/>
+            <a:ext cx="2971800" cy="458787"/>
+          </a:xfrm>
+          <a:prstGeom prst="rect">
+            <a:avLst/>
+          </a:prstGeom>
+        </p:spPr>
+        <p:txBody>
+          <a:bodyPr vert="horz" lIns="91440" tIns="45720" rIns="91440" bIns="45720" rtlCol="0" anchor="b"/>
+          <a:lstStyle>
+            <a:lvl1pPr algn="l">
+              <a:defRPr sz="1200"/>
+            </a:lvl1pPr>
+          </a:lstStyle>
+          <a:p>
+            <a:endParaRPr lang="en-US"/>
+          </a:p>
+        </p:txBody>
+      </p:sp>
+      <p:sp>
+        <p:nvSpPr>
+          <p:cNvPr id="7" name="Slide Number Placeholder 6"/>
+          <p:cNvSpPr>
+            <a:spLocks noGrp="1"/>
+          </p:cNvSpPr>
+          <p:nvPr>
+            <p:ph type="sldNum" sz="quarter" idx="5"/>
+          </p:nvPr>
+        </p:nvSpPr>
+        <p:spPr>
+          <a:xfrm>
+            <a:off x="3884613" y="8685213"/>
+            <a:ext cx="2971800" cy="458787"/>
+          </a:xfrm>
+          <a:prstGeom prst="rect">
+            <a:avLst/>
+          </a:prstGeom>
+        </p:spPr>
+        <p:txBody>
+          <a:bodyPr vert="horz" lIns="91440" tIns="45720" rIns="91440" bIns="45720" rtlCol="0" anchor="b"/>
+          <a:lstStyle>
+            <a:lvl1pPr algn="r">
+              <a:defRPr sz="1200"/>
+            </a:lvl1pPr>
+          </a:lstStyle>
+          <a:p>
+            <a:fld id="{ABDA8371-9F96-AB47-AA4D-AE9A8A24CE20}" type="slidenum">
+              <a:rPr lang="en-US" smtClean="0"/>
+              <a:t>‹#›</a:t>
+            </a:fld>
+            <a:endParaRPr lang="en-US"/>
+          </a:p>
+        </p:txBody>
+      </p:sp>
+    </p:spTree>
+    <p:extLst>
+      <p:ext uri="{BB962C8B-B14F-4D97-AF65-F5344CB8AC3E}">
+        <p14:creationId xmlns:p14="http://schemas.microsoft.com/office/powerpoint/2010/main" val="3746148243"/>
+      </p:ext>
+    </p:extLst>
+  </p:cSld>
+  <p:clrMap bg1="lt1" tx1="dk1" bg2="lt2" tx2="dk2" accent1="accent1" accent2="accent2" accent3="accent3" accent4="accent4" accent5="accent5" accent6="accent6" hlink="hlink" folHlink="folHlink"/>
+  <p:notesStyle>
+    <a:lvl1pPr marL="0" algn="l" defTabSz="914400" rtl="0" eaLnBrk="1" latinLnBrk="0" hangingPunct="1">
+      <a:defRPr sz="1200" kern="1200">
+        <a:solidFill>
+          <a:schemeClr val="tx1"/>
+        </a:solidFill>
+        <a:latin typeface="+mn-lt"/>
+        <a:ea typeface="+mn-ea"/>
+        <a:cs typeface="+mn-cs"/>
+      </a:defRPr>
+    </a:lvl1pPr>
+    <a:lvl2pPr marL="457200" algn="l" defTabSz="914400" rtl="0" eaLnBrk="1" latinLnBrk="0" hangingPunct="1">
+      <a:defRPr sz="1200" kern="1200">
+        <a:solidFill>
+          <a:schemeClr val="tx1"/>
+        </a:solidFill>
+        <a:latin typeface="+mn-lt"/>
+        <a:ea typeface="+mn-ea"/>
+        <a:cs typeface="+mn-cs"/>
+      </a:defRPr>
+    </a:lvl2pPr>
+    <a:lvl3pPr marL="914400" algn="l" defTabSz="914400" rtl="0" eaLnBrk="1" latinLnBrk="0" hangingPunct="1">
+      <a:defRPr sz="1200" kern="1200">
+        <a:solidFill>
+          <a:schemeClr val="tx1"/>
+        </a:solidFill>
+        <a:latin typeface="+mn-lt"/>
+        <a:ea typeface="+mn-ea"/>
+        <a:cs typeface="+mn-cs"/>
+      </a:defRPr>
+    </a:lvl3pPr>
+    <a:lvl4pPr marL="1371600" algn="l" defTabSz="914400" rtl="0" eaLnBrk="1" latinLnBrk="0" hangingPunct="1">
+      <a:defRPr sz="1200" kern="1200">
+        <a:solidFill>
+          <a:schemeClr val="tx1"/>
+        </a:solidFill>
+        <a:latin typeface="+mn-lt"/>
+        <a:ea typeface="+mn-ea"/>
+        <a:cs typeface="+mn-cs"/>
+      </a:defRPr>
+    </a:lvl4pPr>
+    <a:lvl5pPr marL="1828800" algn="l" defTabSz="914400" rtl="0" eaLnBrk="1" latinLnBrk="0" hangingPunct="1">
+      <a:defRPr sz="1200" kern="1200">
+        <a:solidFill>
+          <a:schemeClr val="tx1"/>
+        </a:solidFill>
+        <a:latin typeface="+mn-lt"/>
+        <a:ea typeface="+mn-ea"/>
+        <a:cs typeface="+mn-cs"/>
+      </a:defRPr>
+    </a:lvl5pPr>
+    <a:lvl6pPr marL="2286000" algn="l" defTabSz="914400" rtl="0" eaLnBrk="1" latinLnBrk="0" hangingPunct="1">
+      <a:defRPr sz="1200" kern="1200">
+        <a:solidFill>
+          <a:schemeClr val="tx1"/>
+        </a:solidFill>
+        <a:latin typeface="+mn-lt"/>
+        <a:ea typeface="+mn-ea"/>
+        <a:cs typeface="+mn-cs"/>
+      </a:defRPr>
+    </a:lvl6pPr>
+    <a:lvl7pPr marL="2743200" algn="l" defTabSz="914400" rtl="0" eaLnBrk="1" latinLnBrk="0" hangingPunct="1">
+      <a:defRPr sz="1200" kern="1200">
+        <a:solidFill>
+          <a:schemeClr val="tx1"/>
+        </a:solidFill>
+        <a:latin typeface="+mn-lt"/>
+        <a:ea typeface="+mn-ea"/>
+        <a:cs typeface="+mn-cs"/>
+      </a:defRPr>
+    </a:lvl7pPr>
+    <a:lvl8pPr marL="3200400" algn="l" defTabSz="914400" rtl="0" eaLnBrk="1" latinLnBrk="0" hangingPunct="1">
+      <a:defRPr sz="1200" kern="1200">
+        <a:solidFill>
+          <a:schemeClr val="tx1"/>
+        </a:solidFill>
+        <a:latin typeface="+mn-lt"/>
+        <a:ea typeface="+mn-ea"/>
+        <a:cs typeface="+mn-cs"/>
+      </a:defRPr>
+    </a:lvl8pPr>
+    <a:lvl9pPr marL="3657600" algn="l" defTabSz="914400" rtl="0" eaLnBrk="1" latinLnBrk="0" hangingPunct="1">
+      <a:defRPr sz="1200" kern="1200">
+        <a:solidFill>
+          <a:schemeClr val="tx1"/>
+        </a:solidFill>
+        <a:latin typeface="+mn-lt"/>
+        <a:ea typeface="+mn-ea"/>
+        <a:cs typeface="+mn-cs"/>
+      </a:defRPr>
+    </a:lvl9pPr>
+  </p:notesStyle>
+</p:notesMaster>
+</file>
+
+<file path=ppt/notesSlides/notesSlide1.xml><?xml version="1.0" encoding="utf-8"?>
+<p:notes xmlns:a="http://schemas.openxmlformats.org/drawingml/2006/main" xmlns:r="http://schemas.openxmlformats.org/officeDocument/2006/relationships" xmlns:p="http://schemas.openxmlformats.org/presentationml/2006/main">
+  <p:cSld>
+    <p:spTree>
+      <p:nvGrpSpPr>
+        <p:cNvPr id="1" name=""/>
+        <p:cNvGrpSpPr/>
+        <p:nvPr/>
+      </p:nvGrpSpPr>
+      <p:grpSpPr>
+        <a:xfrm>
+          <a:off x="0" y="0"/>
+          <a:ext cx="0" cy="0"/>
+          <a:chOff x="0" y="0"/>
+          <a:chExt cx="0" cy="0"/>
+        </a:xfrm>
+      </p:grpSpPr>
+      <p:sp>
+        <p:nvSpPr>
+          <p:cNvPr id="2" name="Slide Image Placeholder 1"/>
+          <p:cNvSpPr>
+            <a:spLocks noGrp="1" noRot="1" noChangeAspect="1"/>
+          </p:cNvSpPr>
+          <p:nvPr>
+            <p:ph type="sldImg"/>
+          </p:nvPr>
+        </p:nvSpPr>
+        <p:spPr/>
+      </p:sp>
+      <p:sp>
+        <p:nvSpPr>
+          <p:cNvPr id="3" name="Notes Placeholder 2"/>
+          <p:cNvSpPr>
+            <a:spLocks noGrp="1"/>
+          </p:cNvSpPr>
+          <p:nvPr>
+            <p:ph type="body" idx="1"/>
+          </p:nvPr>
+        </p:nvSpPr>
+        <p:spPr/>
+        <p:txBody>
+          <a:bodyPr/>
+          <a:lstStyle/>
+          <a:p>
+            <a:endParaRPr lang="en-US" dirty="0"/>
+          </a:p>
+        </p:txBody>
+      </p:sp>
+      <p:sp>
+        <p:nvSpPr>
+          <p:cNvPr id="4" name="Slide Number Placeholder 3"/>
+          <p:cNvSpPr>
+            <a:spLocks noGrp="1"/>
+          </p:cNvSpPr>
+          <p:nvPr>
+            <p:ph type="sldNum" sz="quarter" idx="5"/>
+          </p:nvPr>
+        </p:nvSpPr>
+        <p:spPr/>
+        <p:txBody>
+          <a:bodyPr/>
+          <a:lstStyle/>
+          <a:p>
+            <a:fld id="{ABDA8371-9F96-AB47-AA4D-AE9A8A24CE20}" type="slidenum">
+              <a:rPr lang="en-US" smtClean="0"/>
+              <a:t>1</a:t>
+            </a:fld>
+            <a:endParaRPr lang="en-US"/>
+          </a:p>
+        </p:txBody>
+      </p:sp>
+    </p:spTree>
+    <p:extLst>
+      <p:ext uri="{BB962C8B-B14F-4D97-AF65-F5344CB8AC3E}">
+        <p14:creationId xmlns:p14="http://schemas.microsoft.com/office/powerpoint/2010/main" val="2538423380"/>
+      </p:ext>
+    </p:extLst>
+  </p:cSld>
+  <p:clrMapOvr>
+    <a:masterClrMapping/>
+  </p:clrMapOvr>
+</p:notes>
 </file>
 
 <file path=ppt/slideLayouts/slideLayout1.xml><?xml version="1.0" encoding="utf-8"?>
@@ -164,10 +602,9 @@
           <a:lstStyle/>
           <a:p>
             <a:r>
-              <a:rPr lang="en-US" smtClean="0"/>
+              <a:rPr lang="en-US"/>
               <a:t>Click to edit Master title style</a:t>
             </a:r>
-            <a:endParaRPr lang="en-US"/>
           </a:p>
         </p:txBody>
       </p:sp>
@@ -283,10 +720,9 @@
           </a:lstStyle>
           <a:p>
             <a:r>
-              <a:rPr lang="en-US" smtClean="0"/>
+              <a:rPr lang="en-US"/>
               <a:t>Click to edit Master subtitle style</a:t>
             </a:r>
-            <a:endParaRPr lang="en-US"/>
           </a:p>
         </p:txBody>
       </p:sp>
@@ -307,7 +743,7 @@
           <a:p>
             <a:fld id="{477B3B45-EB55-46BF-8EE7-F91257854600}" type="datetimeFigureOut">
               <a:rPr lang="en-US" smtClean="0"/>
-              <a:t>19/4/17</a:t>
+              <a:t>6/18/19</a:t>
             </a:fld>
             <a:endParaRPr lang="en-US"/>
           </a:p>
@@ -396,10 +832,9 @@
           <a:lstStyle/>
           <a:p>
             <a:r>
-              <a:rPr lang="en-US" smtClean="0"/>
+              <a:rPr lang="en-US"/>
               <a:t>Click to edit Master title style</a:t>
             </a:r>
-            <a:endParaRPr lang="en-US"/>
           </a:p>
         </p:txBody>
       </p:sp>
@@ -420,38 +855,37 @@
           <a:p>
             <a:pPr lvl="0"/>
             <a:r>
-              <a:rPr lang="en-US" smtClean="0"/>
+              <a:rPr lang="en-US"/>
               <a:t>Click to edit Master text styles</a:t>
             </a:r>
           </a:p>
           <a:p>
             <a:pPr lvl="1"/>
             <a:r>
-              <a:rPr lang="en-US" smtClean="0"/>
+              <a:rPr lang="en-US"/>
               <a:t>Second level</a:t>
             </a:r>
           </a:p>
           <a:p>
             <a:pPr lvl="2"/>
             <a:r>
-              <a:rPr lang="en-US" smtClean="0"/>
+              <a:rPr lang="en-US"/>
               <a:t>Third level</a:t>
             </a:r>
           </a:p>
           <a:p>
             <a:pPr lvl="3"/>
             <a:r>
-              <a:rPr lang="en-US" smtClean="0"/>
+              <a:rPr lang="en-US"/>
               <a:t>Fourth level</a:t>
             </a:r>
           </a:p>
           <a:p>
             <a:pPr lvl="4"/>
             <a:r>
-              <a:rPr lang="en-US" smtClean="0"/>
+              <a:rPr lang="en-US"/>
               <a:t>Fifth level</a:t>
             </a:r>
-            <a:endParaRPr lang="en-US"/>
           </a:p>
         </p:txBody>
       </p:sp>
@@ -472,7 +906,7 @@
           <a:p>
             <a:fld id="{477B3B45-EB55-46BF-8EE7-F91257854600}" type="datetimeFigureOut">
               <a:rPr lang="en-US" smtClean="0"/>
-              <a:t>19/4/17</a:t>
+              <a:t>6/18/19</a:t>
             </a:fld>
             <a:endParaRPr lang="en-US"/>
           </a:p>
@@ -566,10 +1000,9 @@
           <a:lstStyle/>
           <a:p>
             <a:r>
-              <a:rPr lang="en-US" smtClean="0"/>
+              <a:rPr lang="en-US"/>
               <a:t>Click to edit Master title style</a:t>
             </a:r>
-            <a:endParaRPr lang="en-US"/>
           </a:p>
         </p:txBody>
       </p:sp>
@@ -595,38 +1028,37 @@
           <a:p>
             <a:pPr lvl="0"/>
             <a:r>
-              <a:rPr lang="en-US" smtClean="0"/>
+              <a:rPr lang="en-US"/>
               <a:t>Click to edit Master text styles</a:t>
             </a:r>
           </a:p>
           <a:p>
             <a:pPr lvl="1"/>
             <a:r>
-              <a:rPr lang="en-US" smtClean="0"/>
+              <a:rPr lang="en-US"/>
               <a:t>Second level</a:t>
             </a:r>
           </a:p>
           <a:p>
             <a:pPr lvl="2"/>
             <a:r>
-              <a:rPr lang="en-US" smtClean="0"/>
+              <a:rPr lang="en-US"/>
               <a:t>Third level</a:t>
             </a:r>
           </a:p>
           <a:p>
             <a:pPr lvl="3"/>
             <a:r>
-              <a:rPr lang="en-US" smtClean="0"/>
+              <a:rPr lang="en-US"/>
               <a:t>Fourth level</a:t>
             </a:r>
           </a:p>
           <a:p>
             <a:pPr lvl="4"/>
             <a:r>
-              <a:rPr lang="en-US" smtClean="0"/>
+              <a:rPr lang="en-US"/>
               <a:t>Fifth level</a:t>
             </a:r>
-            <a:endParaRPr lang="en-US"/>
           </a:p>
         </p:txBody>
       </p:sp>
@@ -647,7 +1079,7 @@
           <a:p>
             <a:fld id="{477B3B45-EB55-46BF-8EE7-F91257854600}" type="datetimeFigureOut">
               <a:rPr lang="en-US" smtClean="0"/>
-              <a:t>19/4/17</a:t>
+              <a:t>6/18/19</a:t>
             </a:fld>
             <a:endParaRPr lang="en-US"/>
           </a:p>
@@ -736,10 +1168,9 @@
           <a:lstStyle/>
           <a:p>
             <a:r>
-              <a:rPr lang="en-US" smtClean="0"/>
+              <a:rPr lang="en-US"/>
               <a:t>Click to edit Master title style</a:t>
             </a:r>
-            <a:endParaRPr lang="en-US"/>
           </a:p>
         </p:txBody>
       </p:sp>
@@ -760,38 +1191,37 @@
           <a:p>
             <a:pPr lvl="0"/>
             <a:r>
-              <a:rPr lang="en-US" smtClean="0"/>
+              <a:rPr lang="en-US"/>
               <a:t>Click to edit Master text styles</a:t>
             </a:r>
           </a:p>
           <a:p>
             <a:pPr lvl="1"/>
             <a:r>
-              <a:rPr lang="en-US" smtClean="0"/>
+              <a:rPr lang="en-US"/>
               <a:t>Second level</a:t>
             </a:r>
           </a:p>
           <a:p>
             <a:pPr lvl="2"/>
             <a:r>
-              <a:rPr lang="en-US" smtClean="0"/>
+              <a:rPr lang="en-US"/>
               <a:t>Third level</a:t>
             </a:r>
           </a:p>
           <a:p>
             <a:pPr lvl="3"/>
             <a:r>
-              <a:rPr lang="en-US" smtClean="0"/>
+              <a:rPr lang="en-US"/>
               <a:t>Fourth level</a:t>
             </a:r>
           </a:p>
           <a:p>
             <a:pPr lvl="4"/>
             <a:r>
-              <a:rPr lang="en-US" smtClean="0"/>
+              <a:rPr lang="en-US"/>
               <a:t>Fifth level</a:t>
             </a:r>
-            <a:endParaRPr lang="en-US"/>
           </a:p>
         </p:txBody>
       </p:sp>
@@ -812,7 +1242,7 @@
           <a:p>
             <a:fld id="{477B3B45-EB55-46BF-8EE7-F91257854600}" type="datetimeFigureOut">
               <a:rPr lang="en-US" smtClean="0"/>
-              <a:t>19/4/17</a:t>
+              <a:t>6/18/19</a:t>
             </a:fld>
             <a:endParaRPr lang="en-US"/>
           </a:p>
@@ -910,10 +1340,9 @@
           </a:lstStyle>
           <a:p>
             <a:r>
-              <a:rPr lang="en-US" smtClean="0"/>
+              <a:rPr lang="en-US"/>
               <a:t>Click to edit Master title style</a:t>
             </a:r>
-            <a:endParaRPr lang="en-US"/>
           </a:p>
         </p:txBody>
       </p:sp>
@@ -1030,7 +1459,7 @@
           <a:p>
             <a:pPr lvl="0"/>
             <a:r>
-              <a:rPr lang="en-US" smtClean="0"/>
+              <a:rPr lang="en-US"/>
               <a:t>Click to edit Master text styles</a:t>
             </a:r>
           </a:p>
@@ -1053,7 +1482,7 @@
           <a:p>
             <a:fld id="{477B3B45-EB55-46BF-8EE7-F91257854600}" type="datetimeFigureOut">
               <a:rPr lang="en-US" smtClean="0"/>
-              <a:t>19/4/17</a:t>
+              <a:t>6/18/19</a:t>
             </a:fld>
             <a:endParaRPr lang="en-US"/>
           </a:p>
@@ -1142,10 +1571,9 @@
           <a:lstStyle/>
           <a:p>
             <a:r>
-              <a:rPr lang="en-US" smtClean="0"/>
+              <a:rPr lang="en-US"/>
               <a:t>Click to edit Master title style</a:t>
             </a:r>
-            <a:endParaRPr lang="en-US"/>
           </a:p>
         </p:txBody>
       </p:sp>
@@ -1199,38 +1627,37 @@
           <a:p>
             <a:pPr lvl="0"/>
             <a:r>
-              <a:rPr lang="en-US" smtClean="0"/>
+              <a:rPr lang="en-US"/>
               <a:t>Click to edit Master text styles</a:t>
             </a:r>
           </a:p>
           <a:p>
             <a:pPr lvl="1"/>
             <a:r>
-              <a:rPr lang="en-US" smtClean="0"/>
+              <a:rPr lang="en-US"/>
               <a:t>Second level</a:t>
             </a:r>
           </a:p>
           <a:p>
             <a:pPr lvl="2"/>
             <a:r>
-              <a:rPr lang="en-US" smtClean="0"/>
+              <a:rPr lang="en-US"/>
               <a:t>Third level</a:t>
             </a:r>
           </a:p>
           <a:p>
             <a:pPr lvl="3"/>
             <a:r>
-              <a:rPr lang="en-US" smtClean="0"/>
+              <a:rPr lang="en-US"/>
               <a:t>Fourth level</a:t>
             </a:r>
           </a:p>
           <a:p>
             <a:pPr lvl="4"/>
             <a:r>
-              <a:rPr lang="en-US" smtClean="0"/>
+              <a:rPr lang="en-US"/>
               <a:t>Fifth level</a:t>
             </a:r>
-            <a:endParaRPr lang="en-US"/>
           </a:p>
         </p:txBody>
       </p:sp>
@@ -1284,38 +1711,37 @@
           <a:p>
             <a:pPr lvl="0"/>
             <a:r>
-              <a:rPr lang="en-US" smtClean="0"/>
+              <a:rPr lang="en-US"/>
               <a:t>Click to edit Master text styles</a:t>
             </a:r>
           </a:p>
           <a:p>
             <a:pPr lvl="1"/>
             <a:r>
-              <a:rPr lang="en-US" smtClean="0"/>
+              <a:rPr lang="en-US"/>
               <a:t>Second level</a:t>
             </a:r>
           </a:p>
           <a:p>
             <a:pPr lvl="2"/>
             <a:r>
-              <a:rPr lang="en-US" smtClean="0"/>
+              <a:rPr lang="en-US"/>
               <a:t>Third level</a:t>
             </a:r>
           </a:p>
           <a:p>
             <a:pPr lvl="3"/>
             <a:r>
-              <a:rPr lang="en-US" smtClean="0"/>
+              <a:rPr lang="en-US"/>
               <a:t>Fourth level</a:t>
             </a:r>
           </a:p>
           <a:p>
             <a:pPr lvl="4"/>
             <a:r>
-              <a:rPr lang="en-US" smtClean="0"/>
+              <a:rPr lang="en-US"/>
               <a:t>Fifth level</a:t>
             </a:r>
-            <a:endParaRPr lang="en-US"/>
           </a:p>
         </p:txBody>
       </p:sp>
@@ -1336,7 +1762,7 @@
           <a:p>
             <a:fld id="{477B3B45-EB55-46BF-8EE7-F91257854600}" type="datetimeFigureOut">
               <a:rPr lang="en-US" smtClean="0"/>
-              <a:t>19/4/17</a:t>
+              <a:t>6/18/19</a:t>
             </a:fld>
             <a:endParaRPr lang="en-US"/>
           </a:p>
@@ -1429,10 +1855,9 @@
           </a:lstStyle>
           <a:p>
             <a:r>
-              <a:rPr lang="en-US" smtClean="0"/>
+              <a:rPr lang="en-US"/>
               <a:t>Click to edit Master title style</a:t>
             </a:r>
-            <a:endParaRPr lang="en-US"/>
           </a:p>
         </p:txBody>
       </p:sp>
@@ -1495,7 +1920,7 @@
           <a:p>
             <a:pPr lvl="0"/>
             <a:r>
-              <a:rPr lang="en-US" smtClean="0"/>
+              <a:rPr lang="en-US"/>
               <a:t>Click to edit Master text styles</a:t>
             </a:r>
           </a:p>
@@ -1551,38 +1976,37 @@
           <a:p>
             <a:pPr lvl="0"/>
             <a:r>
-              <a:rPr lang="en-US" smtClean="0"/>
+              <a:rPr lang="en-US"/>
               <a:t>Click to edit Master text styles</a:t>
             </a:r>
           </a:p>
           <a:p>
             <a:pPr lvl="1"/>
             <a:r>
-              <a:rPr lang="en-US" smtClean="0"/>
+              <a:rPr lang="en-US"/>
               <a:t>Second level</a:t>
             </a:r>
           </a:p>
           <a:p>
             <a:pPr lvl="2"/>
             <a:r>
-              <a:rPr lang="en-US" smtClean="0"/>
+              <a:rPr lang="en-US"/>
               <a:t>Third level</a:t>
             </a:r>
           </a:p>
           <a:p>
             <a:pPr lvl="3"/>
             <a:r>
-              <a:rPr lang="en-US" smtClean="0"/>
+              <a:rPr lang="en-US"/>
               <a:t>Fourth level</a:t>
             </a:r>
           </a:p>
           <a:p>
             <a:pPr lvl="4"/>
             <a:r>
-              <a:rPr lang="en-US" smtClean="0"/>
+              <a:rPr lang="en-US"/>
               <a:t>Fifth level</a:t>
             </a:r>
-            <a:endParaRPr lang="en-US"/>
           </a:p>
         </p:txBody>
       </p:sp>
@@ -1645,7 +2069,7 @@
           <a:p>
             <a:pPr lvl="0"/>
             <a:r>
-              <a:rPr lang="en-US" smtClean="0"/>
+              <a:rPr lang="en-US"/>
               <a:t>Click to edit Master text styles</a:t>
             </a:r>
           </a:p>
@@ -1701,38 +2125,37 @@
           <a:p>
             <a:pPr lvl="0"/>
             <a:r>
-              <a:rPr lang="en-US" smtClean="0"/>
+              <a:rPr lang="en-US"/>
               <a:t>Click to edit Master text styles</a:t>
             </a:r>
           </a:p>
           <a:p>
             <a:pPr lvl="1"/>
             <a:r>
-              <a:rPr lang="en-US" smtClean="0"/>
+              <a:rPr lang="en-US"/>
               <a:t>Second level</a:t>
             </a:r>
           </a:p>
           <a:p>
             <a:pPr lvl="2"/>
             <a:r>
-              <a:rPr lang="en-US" smtClean="0"/>
+              <a:rPr lang="en-US"/>
               <a:t>Third level</a:t>
             </a:r>
           </a:p>
           <a:p>
             <a:pPr lvl="3"/>
             <a:r>
-              <a:rPr lang="en-US" smtClean="0"/>
+              <a:rPr lang="en-US"/>
               <a:t>Fourth level</a:t>
             </a:r>
           </a:p>
           <a:p>
             <a:pPr lvl="4"/>
             <a:r>
-              <a:rPr lang="en-US" smtClean="0"/>
+              <a:rPr lang="en-US"/>
               <a:t>Fifth level</a:t>
             </a:r>
-            <a:endParaRPr lang="en-US"/>
           </a:p>
         </p:txBody>
       </p:sp>
@@ -1753,7 +2176,7 @@
           <a:p>
             <a:fld id="{477B3B45-EB55-46BF-8EE7-F91257854600}" type="datetimeFigureOut">
               <a:rPr lang="en-US" smtClean="0"/>
-              <a:t>19/4/17</a:t>
+              <a:t>6/18/19</a:t>
             </a:fld>
             <a:endParaRPr lang="en-US"/>
           </a:p>
@@ -1842,10 +2265,9 @@
           <a:lstStyle/>
           <a:p>
             <a:r>
-              <a:rPr lang="en-US" smtClean="0"/>
+              <a:rPr lang="en-US"/>
               <a:t>Click to edit Master title style</a:t>
             </a:r>
-            <a:endParaRPr lang="en-US"/>
           </a:p>
         </p:txBody>
       </p:sp>
@@ -1866,7 +2288,7 @@
           <a:p>
             <a:fld id="{477B3B45-EB55-46BF-8EE7-F91257854600}" type="datetimeFigureOut">
               <a:rPr lang="en-US" smtClean="0"/>
-              <a:t>19/4/17</a:t>
+              <a:t>6/18/19</a:t>
             </a:fld>
             <a:endParaRPr lang="en-US"/>
           </a:p>
@@ -1956,7 +2378,7 @@
           <a:p>
             <a:fld id="{477B3B45-EB55-46BF-8EE7-F91257854600}" type="datetimeFigureOut">
               <a:rPr lang="en-US" smtClean="0"/>
-              <a:t>19/4/17</a:t>
+              <a:t>6/18/19</a:t>
             </a:fld>
             <a:endParaRPr lang="en-US"/>
           </a:p>
@@ -2054,10 +2476,9 @@
           </a:lstStyle>
           <a:p>
             <a:r>
-              <a:rPr lang="en-US" smtClean="0"/>
+              <a:rPr lang="en-US"/>
               <a:t>Click to edit Master title style</a:t>
             </a:r>
-            <a:endParaRPr lang="en-US"/>
           </a:p>
         </p:txBody>
       </p:sp>
@@ -2111,38 +2532,37 @@
           <a:p>
             <a:pPr lvl="0"/>
             <a:r>
-              <a:rPr lang="en-US" smtClean="0"/>
+              <a:rPr lang="en-US"/>
               <a:t>Click to edit Master text styles</a:t>
             </a:r>
           </a:p>
           <a:p>
             <a:pPr lvl="1"/>
             <a:r>
-              <a:rPr lang="en-US" smtClean="0"/>
+              <a:rPr lang="en-US"/>
               <a:t>Second level</a:t>
             </a:r>
           </a:p>
           <a:p>
             <a:pPr lvl="2"/>
             <a:r>
-              <a:rPr lang="en-US" smtClean="0"/>
+              <a:rPr lang="en-US"/>
               <a:t>Third level</a:t>
             </a:r>
           </a:p>
           <a:p>
             <a:pPr lvl="3"/>
             <a:r>
-              <a:rPr lang="en-US" smtClean="0"/>
+              <a:rPr lang="en-US"/>
               <a:t>Fourth level</a:t>
             </a:r>
           </a:p>
           <a:p>
             <a:pPr lvl="4"/>
             <a:r>
-              <a:rPr lang="en-US" smtClean="0"/>
+              <a:rPr lang="en-US"/>
               <a:t>Fifth level</a:t>
             </a:r>
-            <a:endParaRPr lang="en-US"/>
           </a:p>
         </p:txBody>
       </p:sp>
@@ -2205,7 +2625,7 @@
           <a:p>
             <a:pPr lvl="0"/>
             <a:r>
-              <a:rPr lang="en-US" smtClean="0"/>
+              <a:rPr lang="en-US"/>
               <a:t>Click to edit Master text styles</a:t>
             </a:r>
           </a:p>
@@ -2228,7 +2648,7 @@
           <a:p>
             <a:fld id="{477B3B45-EB55-46BF-8EE7-F91257854600}" type="datetimeFigureOut">
               <a:rPr lang="en-US" smtClean="0"/>
-              <a:t>19/4/17</a:t>
+              <a:t>6/18/19</a:t>
             </a:fld>
             <a:endParaRPr lang="en-US"/>
           </a:p>
@@ -2326,10 +2746,9 @@
           </a:lstStyle>
           <a:p>
             <a:r>
-              <a:rPr lang="en-US" smtClean="0"/>
+              <a:rPr lang="en-US"/>
               <a:t>Click to edit Master title style</a:t>
             </a:r>
-            <a:endParaRPr lang="en-US"/>
           </a:p>
         </p:txBody>
       </p:sp>
@@ -2453,7 +2872,7 @@
           <a:p>
             <a:pPr lvl="0"/>
             <a:r>
-              <a:rPr lang="en-US" smtClean="0"/>
+              <a:rPr lang="en-US"/>
               <a:t>Click to edit Master text styles</a:t>
             </a:r>
           </a:p>
@@ -2476,7 +2895,7 @@
           <a:p>
             <a:fld id="{477B3B45-EB55-46BF-8EE7-F91257854600}" type="datetimeFigureOut">
               <a:rPr lang="en-US" smtClean="0"/>
-              <a:t>19/4/17</a:t>
+              <a:t>6/18/19</a:t>
             </a:fld>
             <a:endParaRPr lang="en-US"/>
           </a:p>
@@ -2580,10 +2999,9 @@
           <a:lstStyle/>
           <a:p>
             <a:r>
-              <a:rPr lang="en-US" smtClean="0"/>
+              <a:rPr lang="en-US"/>
               <a:t>Click to edit Master title style</a:t>
             </a:r>
-            <a:endParaRPr lang="en-US"/>
           </a:p>
         </p:txBody>
       </p:sp>
@@ -2614,38 +3032,37 @@
           <a:p>
             <a:pPr lvl="0"/>
             <a:r>
-              <a:rPr lang="en-US" smtClean="0"/>
+              <a:rPr lang="en-US"/>
               <a:t>Click to edit Master text styles</a:t>
             </a:r>
           </a:p>
           <a:p>
             <a:pPr lvl="1"/>
             <a:r>
-              <a:rPr lang="en-US" smtClean="0"/>
+              <a:rPr lang="en-US"/>
               <a:t>Second level</a:t>
             </a:r>
           </a:p>
           <a:p>
             <a:pPr lvl="2"/>
             <a:r>
-              <a:rPr lang="en-US" smtClean="0"/>
+              <a:rPr lang="en-US"/>
               <a:t>Third level</a:t>
             </a:r>
           </a:p>
           <a:p>
             <a:pPr lvl="3"/>
             <a:r>
-              <a:rPr lang="en-US" smtClean="0"/>
+              <a:rPr lang="en-US"/>
               <a:t>Fourth level</a:t>
             </a:r>
           </a:p>
           <a:p>
             <a:pPr lvl="4"/>
             <a:r>
-              <a:rPr lang="en-US" smtClean="0"/>
+              <a:rPr lang="en-US"/>
               <a:t>Fifth level</a:t>
             </a:r>
-            <a:endParaRPr lang="en-US"/>
           </a:p>
         </p:txBody>
       </p:sp>
@@ -2684,7 +3101,7 @@
           <a:p>
             <a:fld id="{477B3B45-EB55-46BF-8EE7-F91257854600}" type="datetimeFigureOut">
               <a:rPr lang="en-US" smtClean="0"/>
-              <a:t>19/4/17</a:t>
+              <a:t>6/18/19</a:t>
             </a:fld>
             <a:endParaRPr lang="en-US"/>
           </a:p>
@@ -3163,7 +3580,7 @@
           <a:p>
             <a:pPr algn="ctr"/>
             <a:r>
-              <a:rPr lang="en-US" sz="9600" dirty="0" smtClean="0">
+              <a:rPr lang="en-US" sz="9600" dirty="0">
                 <a:solidFill>
                   <a:schemeClr val="bg1">
                     <a:lumMod val="95000"/>
@@ -3173,14 +3590,6 @@
               </a:rPr>
               <a:t>CS</a:t>
             </a:r>
-            <a:endParaRPr lang="en-US" sz="9600" dirty="0">
-              <a:solidFill>
-                <a:schemeClr val="bg1">
-                  <a:lumMod val="95000"/>
-                </a:schemeClr>
-              </a:solidFill>
-              <a:latin typeface="Century" pitchFamily="18" charset="0"/>
-            </a:endParaRPr>
           </a:p>
         </p:txBody>
       </p:sp>
@@ -3229,7 +3638,7 @@
           <a:p>
             <a:pPr algn="ctr"/>
             <a:r>
-              <a:rPr lang="en-US" sz="9600" dirty="0" smtClean="0">
+              <a:rPr lang="en-US" sz="9600" dirty="0">
                 <a:solidFill>
                   <a:schemeClr val="bg1">
                     <a:lumMod val="95000"/>
@@ -3239,14 +3648,6 @@
               </a:rPr>
               <a:t>BF</a:t>
             </a:r>
-            <a:endParaRPr lang="en-US" sz="9600" dirty="0">
-              <a:solidFill>
-                <a:schemeClr val="bg1">
-                  <a:lumMod val="95000"/>
-                </a:schemeClr>
-              </a:solidFill>
-              <a:latin typeface="Century" pitchFamily="18" charset="0"/>
-            </a:endParaRPr>
           </a:p>
         </p:txBody>
       </p:sp>
@@ -3355,7 +3756,7 @@
           <a:p>
             <a:pPr algn="ctr"/>
             <a:r>
-              <a:rPr lang="en-US" sz="9600" dirty="0" smtClean="0">
+              <a:rPr lang="en-US" sz="9600" dirty="0">
                 <a:solidFill>
                   <a:schemeClr val="bg1">
                     <a:lumMod val="95000"/>
@@ -3365,14 +3766,6 @@
               </a:rPr>
               <a:t>NS</a:t>
             </a:r>
-            <a:endParaRPr lang="en-US" sz="9600" dirty="0">
-              <a:solidFill>
-                <a:schemeClr val="bg1">
-                  <a:lumMod val="95000"/>
-                </a:schemeClr>
-              </a:solidFill>
-              <a:latin typeface="Century" pitchFamily="18" charset="0"/>
-            </a:endParaRPr>
           </a:p>
         </p:txBody>
       </p:sp>
@@ -3423,7 +3816,7 @@
           <a:p>
             <a:pPr algn="ctr"/>
             <a:r>
-              <a:rPr lang="en-US" sz="12000" dirty="0" smtClean="0">
+              <a:rPr lang="en-US" sz="12000" dirty="0">
                 <a:solidFill>
                   <a:schemeClr val="bg1">
                     <a:lumMod val="95000"/>
@@ -3433,14 +3826,6 @@
               </a:rPr>
               <a:t>B</a:t>
             </a:r>
-            <a:endParaRPr lang="en-US" sz="12000" dirty="0">
-              <a:solidFill>
-                <a:schemeClr val="bg1">
-                  <a:lumMod val="95000"/>
-                </a:schemeClr>
-              </a:solidFill>
-              <a:latin typeface="Century" pitchFamily="18" charset="0"/>
-            </a:endParaRPr>
           </a:p>
         </p:txBody>
       </p:sp>
@@ -3581,7 +3966,7 @@
           <a:p>
             <a:pPr algn="ctr"/>
             <a:r>
-              <a:rPr lang="en-US" sz="12000" dirty="0" err="1" smtClean="0">
+              <a:rPr lang="en-US" sz="12000" dirty="0" err="1">
                 <a:solidFill>
                   <a:srgbClr val="F2F2F2"/>
                 </a:solidFill>
@@ -3681,18 +4066,18 @@
           <a:lstStyle/>
           <a:p>
             <a:r>
-              <a:rPr lang="en-US" dirty="0" smtClean="0"/>
+              <a:rPr lang="en-US" dirty="0"/>
               <a:t>009688</a:t>
             </a:r>
           </a:p>
           <a:p>
             <a:r>
-              <a:rPr lang="en-US" dirty="0" smtClean="0"/>
+              <a:rPr lang="en-US" dirty="0"/>
               <a:t>4db6ac</a:t>
             </a:r>
           </a:p>
           <a:p>
-            <a:endParaRPr lang="en-US" dirty="0" smtClean="0"/>
+            <a:endParaRPr lang="en-US" dirty="0"/>
           </a:p>
           <a:p>
             <a:endParaRPr lang="en-US" dirty="0"/>
@@ -3744,7 +4129,7 @@
           <a:p>
             <a:pPr algn="ctr"/>
             <a:r>
-              <a:rPr lang="en-US" sz="9600" dirty="0" smtClean="0">
+              <a:rPr lang="en-US" sz="9600" dirty="0">
                 <a:solidFill>
                   <a:schemeClr val="bg1">
                     <a:lumMod val="95000"/>
@@ -3754,14 +4139,63 @@
               </a:rPr>
               <a:t>FR</a:t>
             </a:r>
-            <a:endParaRPr lang="en-US" sz="9600" dirty="0">
-              <a:solidFill>
-                <a:schemeClr val="bg1">
-                  <a:lumMod val="95000"/>
-                </a:schemeClr>
-              </a:solidFill>
-              <a:latin typeface="Century" pitchFamily="18" charset="0"/>
-            </a:endParaRPr>
+          </a:p>
+        </p:txBody>
+      </p:sp>
+      <p:sp>
+        <p:nvSpPr>
+          <p:cNvPr id="3" name="TextBox 2">
+            <a:extLst>
+              <a:ext uri="{FF2B5EF4-FFF2-40B4-BE49-F238E27FC236}">
+                <a16:creationId xmlns:a16="http://schemas.microsoft.com/office/drawing/2014/main" id="{58F76F08-A7F0-774E-AD0E-17939ACD0BD3}"/>
+              </a:ext>
+            </a:extLst>
+          </p:cNvPr>
+          <p:cNvSpPr txBox="1"/>
+          <p:nvPr/>
+        </p:nvSpPr>
+        <p:spPr>
+          <a:xfrm>
+            <a:off x="4953000" y="5638800"/>
+            <a:ext cx="1404552" cy="923330"/>
+          </a:xfrm>
+          <a:prstGeom prst="rect">
+            <a:avLst/>
+          </a:prstGeom>
+          <a:noFill/>
+        </p:spPr>
+        <p:txBody>
+          <a:bodyPr wrap="none" rtlCol="0">
+            <a:spAutoFit/>
+          </a:bodyPr>
+          <a:lstStyle/>
+          <a:p>
+            <a:r>
+              <a:rPr lang="en-US" dirty="0"/>
+              <a:t>Pink</a:t>
+            </a:r>
+          </a:p>
+          <a:p>
+            <a:r>
+              <a:rPr lang="en-US" dirty="0"/>
+              <a:t>300 - </a:t>
+            </a:r>
+            <a:r>
+              <a:rPr lang="en-SG" cap="all" dirty="0"/>
+              <a:t>F06292</a:t>
+            </a:r>
+            <a:endParaRPr lang="en-US" dirty="0"/>
+          </a:p>
+          <a:p>
+            <a:r>
+              <a:rPr lang="en-US" dirty="0"/>
+              <a:t>500 - </a:t>
+            </a:r>
+            <a:r>
+              <a:rPr lang="en-SG" cap="all" dirty="0"/>
+              <a:t>E91E63</a:t>
+            </a:r>
+            <a:endParaRPr lang="en-US" dirty="0"/>
           </a:p>
         </p:txBody>
       </p:sp>
@@ -3876,19 +4310,19 @@
           <a:lstStyle/>
           <a:p>
             <a:r>
-              <a:rPr lang="en-US" dirty="0" smtClean="0"/>
+              <a:rPr lang="en-US" dirty="0"/>
               <a:t>Brown – </a:t>
             </a:r>
           </a:p>
           <a:p>
             <a:r>
-              <a:rPr lang="en-US" dirty="0" smtClean="0"/>
+              <a:rPr lang="en-US" dirty="0"/>
               <a:t>500 – 795548</a:t>
             </a:r>
           </a:p>
           <a:p>
             <a:r>
-              <a:rPr lang="en-US" dirty="0" smtClean="0"/>
+              <a:rPr lang="en-US" dirty="0"/>
               <a:t>300 – A1887F</a:t>
             </a:r>
           </a:p>
@@ -3975,31 +4409,31 @@
           <a:lstStyle/>
           <a:p>
             <a:r>
-              <a:rPr lang="en-US" dirty="0" smtClean="0"/>
+              <a:rPr lang="en-US" dirty="0"/>
               <a:t>Indigo – </a:t>
             </a:r>
           </a:p>
           <a:p>
             <a:r>
-              <a:rPr lang="en-US" dirty="0" smtClean="0"/>
+              <a:rPr lang="en-US" dirty="0"/>
               <a:t>500 – </a:t>
             </a:r>
             <a:r>
-              <a:rPr lang="en-SG" dirty="0" smtClean="0"/>
+              <a:rPr lang="en-SG" dirty="0"/>
               <a:t>3f51b5 – 63 81 181</a:t>
             </a:r>
-            <a:endParaRPr lang="en-US" dirty="0" smtClean="0"/>
-          </a:p>
-          <a:p>
-            <a:r>
-              <a:rPr lang="en-US" dirty="0" smtClean="0"/>
+            <a:endParaRPr lang="en-US" dirty="0"/>
+          </a:p>
+          <a:p>
+            <a:r>
+              <a:rPr lang="en-US" dirty="0"/>
               <a:t>300 – </a:t>
             </a:r>
             <a:r>
-              <a:rPr lang="en-SG" dirty="0" smtClean="0"/>
+              <a:rPr lang="en-SG" dirty="0"/>
               <a:t>7986cb – 121 134 203</a:t>
             </a:r>
-            <a:endParaRPr lang="en-US" dirty="0" smtClean="0"/>
+            <a:endParaRPr lang="en-US" dirty="0"/>
           </a:p>
         </p:txBody>
       </p:sp>
@@ -4088,14 +4522,6 @@
               </a:rPr>
               <a:t>G</a:t>
             </a:r>
-            <a:endParaRPr lang="en-US" sz="9600" dirty="0">
-              <a:solidFill>
-                <a:schemeClr val="bg1">
-                  <a:lumMod val="95000"/>
-                </a:schemeClr>
-              </a:solidFill>
-              <a:latin typeface="Century" pitchFamily="18" charset="0"/>
-            </a:endParaRPr>
           </a:p>
         </p:txBody>
       </p:sp>
@@ -4122,36 +4548,253 @@
           <a:lstStyle/>
           <a:p>
             <a:r>
-              <a:rPr lang="en-US" dirty="0" smtClean="0"/>
-              <a:t>Deep orange</a:t>
-            </a:r>
-            <a:r>
-              <a:rPr lang="en-US" dirty="0" smtClean="0"/>
-              <a:t>– </a:t>
-            </a:r>
-            <a:endParaRPr lang="en-US" dirty="0" smtClean="0"/>
-          </a:p>
-          <a:p>
-            <a:r>
-              <a:rPr lang="en-US" dirty="0" smtClean="0"/>
+              <a:rPr lang="en-US" dirty="0"/>
+              <a:t>Deep orange– </a:t>
+            </a:r>
+          </a:p>
+          <a:p>
+            <a:r>
+              <a:rPr lang="en-US" dirty="0"/>
               <a:t>500 </a:t>
             </a:r>
             <a:r>
-              <a:rPr lang="x-none" dirty="0" smtClean="0"/>
+              <a:rPr lang="x-none" dirty="0"/>
               <a:t> - ff5722</a:t>
             </a:r>
-            <a:endParaRPr lang="en-US" dirty="0" smtClean="0"/>
-          </a:p>
-          <a:p>
-            <a:r>
-              <a:rPr lang="en-US" dirty="0" smtClean="0"/>
+            <a:endParaRPr lang="en-US" dirty="0"/>
+          </a:p>
+          <a:p>
+            <a:r>
+              <a:rPr lang="en-US" dirty="0"/>
               <a:t>300 – </a:t>
             </a:r>
             <a:r>
-              <a:rPr lang="en-SG" dirty="0" smtClean="0"/>
+              <a:rPr lang="en-SG" dirty="0"/>
               <a:t>ff8a65</a:t>
             </a:r>
-            <a:endParaRPr lang="en-US" dirty="0" smtClean="0"/>
+            <a:endParaRPr lang="en-US" dirty="0"/>
+          </a:p>
+        </p:txBody>
+      </p:sp>
+      <p:sp>
+        <p:nvSpPr>
+          <p:cNvPr id="6" name="Rounded Rectangle 5">
+            <a:extLst>
+              <a:ext uri="{FF2B5EF4-FFF2-40B4-BE49-F238E27FC236}">
+                <a16:creationId xmlns:a16="http://schemas.microsoft.com/office/drawing/2014/main" id="{62535DFF-95FD-8843-80E8-00FAF470CACD}"/>
+              </a:ext>
+            </a:extLst>
+          </p:cNvPr>
+          <p:cNvSpPr/>
+          <p:nvPr/>
+        </p:nvSpPr>
+        <p:spPr>
+          <a:xfrm>
+            <a:off x="1155551" y="304800"/>
+            <a:ext cx="2057400" cy="2057400"/>
+          </a:xfrm>
+          <a:prstGeom prst="roundRect">
+            <a:avLst/>
+          </a:prstGeom>
+          <a:solidFill>
+            <a:srgbClr val="AED581"/>
+          </a:solidFill>
+          <a:ln w="76200">
+            <a:solidFill>
+              <a:srgbClr val="8BC34A"/>
+            </a:solidFill>
+          </a:ln>
+        </p:spPr>
+        <p:style>
+          <a:lnRef idx="1">
+            <a:schemeClr val="dk1"/>
+          </a:lnRef>
+          <a:fillRef idx="2">
+            <a:schemeClr val="dk1"/>
+          </a:fillRef>
+          <a:effectRef idx="1">
+            <a:schemeClr val="dk1"/>
+          </a:effectRef>
+          <a:fontRef idx="minor">
+            <a:schemeClr val="dk1"/>
+          </a:fontRef>
+        </p:style>
+        <p:txBody>
+          <a:bodyPr rtlCol="0" anchor="ctr">
+            <a:normAutofit/>
+          </a:bodyPr>
+          <a:lstStyle/>
+          <a:p>
+            <a:pPr algn="ctr"/>
+            <a:r>
+              <a:rPr lang="en-US" sz="9600" dirty="0">
+                <a:solidFill>
+                  <a:schemeClr val="bg1">
+                    <a:lumMod val="95000"/>
+                  </a:schemeClr>
+                </a:solidFill>
+                <a:latin typeface="Century" pitchFamily="18" charset="0"/>
+              </a:rPr>
+              <a:t>J</a:t>
+            </a:r>
+          </a:p>
+        </p:txBody>
+      </p:sp>
+      <p:sp>
+        <p:nvSpPr>
+          <p:cNvPr id="2" name="TextBox 1">
+            <a:extLst>
+              <a:ext uri="{FF2B5EF4-FFF2-40B4-BE49-F238E27FC236}">
+                <a16:creationId xmlns:a16="http://schemas.microsoft.com/office/drawing/2014/main" id="{1259251B-2E7E-8A4D-A447-7F6C2983F903}"/>
+              </a:ext>
+            </a:extLst>
+          </p:cNvPr>
+          <p:cNvSpPr txBox="1"/>
+          <p:nvPr/>
+        </p:nvSpPr>
+        <p:spPr>
+          <a:xfrm>
+            <a:off x="3886200" y="838200"/>
+            <a:ext cx="1828800" cy="738664"/>
+          </a:xfrm>
+          <a:prstGeom prst="rect">
+            <a:avLst/>
+          </a:prstGeom>
+          <a:noFill/>
+        </p:spPr>
+        <p:txBody>
+          <a:bodyPr wrap="square" rtlCol="0">
+            <a:spAutoFit/>
+          </a:bodyPr>
+          <a:lstStyle/>
+          <a:p>
+            <a:r>
+              <a:rPr lang="en-US" sz="1400" dirty="0"/>
+              <a:t>Light Green</a:t>
+            </a:r>
+          </a:p>
+          <a:p>
+            <a:r>
+              <a:rPr lang="en-US" sz="1400" dirty="0"/>
+              <a:t>300 - AED581 </a:t>
+            </a:r>
+          </a:p>
+          <a:p>
+            <a:r>
+              <a:rPr lang="en-US" sz="1400" dirty="0"/>
+              <a:t>500 - 8BC34A </a:t>
+            </a:r>
+          </a:p>
+        </p:txBody>
+      </p:sp>
+      <p:sp>
+        <p:nvSpPr>
+          <p:cNvPr id="7" name="Rounded Rectangle 6">
+            <a:extLst>
+              <a:ext uri="{FF2B5EF4-FFF2-40B4-BE49-F238E27FC236}">
+                <a16:creationId xmlns:a16="http://schemas.microsoft.com/office/drawing/2014/main" id="{C0D818A2-96F5-A04B-897D-6A4FF16297DF}"/>
+              </a:ext>
+            </a:extLst>
+          </p:cNvPr>
+          <p:cNvSpPr/>
+          <p:nvPr/>
+        </p:nvSpPr>
+        <p:spPr>
+          <a:xfrm>
+            <a:off x="5931049" y="597932"/>
+            <a:ext cx="2057400" cy="2057400"/>
+          </a:xfrm>
+          <a:prstGeom prst="roundRect">
+            <a:avLst/>
+          </a:prstGeom>
+          <a:solidFill>
+            <a:srgbClr val="4DD0E1"/>
+          </a:solidFill>
+          <a:ln w="76200">
+            <a:solidFill>
+              <a:srgbClr val="00BCD4"/>
+            </a:solidFill>
+          </a:ln>
+        </p:spPr>
+        <p:style>
+          <a:lnRef idx="1">
+            <a:schemeClr val="dk1"/>
+          </a:lnRef>
+          <a:fillRef idx="2">
+            <a:schemeClr val="dk1"/>
+          </a:fillRef>
+          <a:effectRef idx="1">
+            <a:schemeClr val="dk1"/>
+          </a:effectRef>
+          <a:fontRef idx="minor">
+            <a:schemeClr val="dk1"/>
+          </a:fontRef>
+        </p:style>
+        <p:txBody>
+          <a:bodyPr rtlCol="0" anchor="ctr">
+            <a:normAutofit/>
+          </a:bodyPr>
+          <a:lstStyle/>
+          <a:p>
+            <a:pPr algn="ctr"/>
+            <a:r>
+              <a:rPr lang="en-US" sz="9600" dirty="0">
+                <a:solidFill>
+                  <a:schemeClr val="bg1">
+                    <a:lumMod val="95000"/>
+                  </a:schemeClr>
+                </a:solidFill>
+                <a:latin typeface="Century" pitchFamily="18" charset="0"/>
+              </a:rPr>
+              <a:t>I</a:t>
+            </a:r>
+          </a:p>
+        </p:txBody>
+      </p:sp>
+      <p:sp>
+        <p:nvSpPr>
+          <p:cNvPr id="3" name="TextBox 2">
+            <a:extLst>
+              <a:ext uri="{FF2B5EF4-FFF2-40B4-BE49-F238E27FC236}">
+                <a16:creationId xmlns:a16="http://schemas.microsoft.com/office/drawing/2014/main" id="{F2A1F6C8-265B-ED4E-99E3-2399732D72B6}"/>
+              </a:ext>
+            </a:extLst>
+          </p:cNvPr>
+          <p:cNvSpPr txBox="1"/>
+          <p:nvPr/>
+        </p:nvSpPr>
+        <p:spPr>
+          <a:xfrm>
+            <a:off x="7543800" y="3276600"/>
+            <a:ext cx="1460656" cy="923330"/>
+          </a:xfrm>
+          <a:prstGeom prst="rect">
+            <a:avLst/>
+          </a:prstGeom>
+          <a:noFill/>
+        </p:spPr>
+        <p:txBody>
+          <a:bodyPr wrap="none" rtlCol="0">
+            <a:spAutoFit/>
+          </a:bodyPr>
+          <a:lstStyle/>
+          <a:p>
+            <a:r>
+              <a:rPr lang="en-US" dirty="0"/>
+              <a:t>Cyan</a:t>
+            </a:r>
+          </a:p>
+          <a:p>
+            <a:r>
+              <a:rPr lang="en-US" dirty="0"/>
+              <a:t>300 - 4DD0E1</a:t>
+            </a:r>
+          </a:p>
+          <a:p>
+            <a:r>
+              <a:rPr lang="en-US" dirty="0"/>
+              <a:t>500 - 00BCD4</a:t>
+            </a:r>
           </a:p>
         </p:txBody>
       </p:sp>
@@ -4159,6 +4802,726 @@
     <p:extLst>
       <p:ext uri="{BB962C8B-B14F-4D97-AF65-F5344CB8AC3E}">
         <p14:creationId xmlns:p14="http://schemas.microsoft.com/office/powerpoint/2010/main" val="285577697"/>
+      </p:ext>
+    </p:extLst>
+  </p:cSld>
+  <p:clrMapOvr>
+    <a:masterClrMapping/>
+  </p:clrMapOvr>
+</p:sld>
+</file>
+
+<file path=ppt/slides/slide5.xml><?xml version="1.0" encoding="utf-8"?>
+<p:sld xmlns:a="http://schemas.openxmlformats.org/drawingml/2006/main" xmlns:r="http://schemas.openxmlformats.org/officeDocument/2006/relationships" xmlns:p="http://schemas.openxmlformats.org/presentationml/2006/main">
+  <p:cSld>
+    <p:spTree>
+      <p:nvGrpSpPr>
+        <p:cNvPr id="1" name=""/>
+        <p:cNvGrpSpPr/>
+        <p:nvPr/>
+      </p:nvGrpSpPr>
+      <p:grpSpPr>
+        <a:xfrm>
+          <a:off x="0" y="0"/>
+          <a:ext cx="0" cy="0"/>
+          <a:chOff x="0" y="0"/>
+          <a:chExt cx="0" cy="0"/>
+        </a:xfrm>
+      </p:grpSpPr>
+      <p:sp>
+        <p:nvSpPr>
+          <p:cNvPr id="4" name="Rounded Rectangle 3"/>
+          <p:cNvSpPr/>
+          <p:nvPr/>
+        </p:nvSpPr>
+        <p:spPr>
+          <a:xfrm>
+            <a:off x="1155551" y="3352800"/>
+            <a:ext cx="2057400" cy="2057400"/>
+          </a:xfrm>
+          <a:prstGeom prst="roundRect">
+            <a:avLst/>
+          </a:prstGeom>
+          <a:solidFill>
+            <a:srgbClr val="9575CD"/>
+          </a:solidFill>
+          <a:ln w="76200">
+            <a:solidFill>
+              <a:srgbClr val="673AB7"/>
+            </a:solidFill>
+          </a:ln>
+        </p:spPr>
+        <p:style>
+          <a:lnRef idx="1">
+            <a:schemeClr val="dk1"/>
+          </a:lnRef>
+          <a:fillRef idx="2">
+            <a:schemeClr val="dk1"/>
+          </a:fillRef>
+          <a:effectRef idx="1">
+            <a:schemeClr val="dk1"/>
+          </a:effectRef>
+          <a:fontRef idx="minor">
+            <a:schemeClr val="dk1"/>
+          </a:fontRef>
+        </p:style>
+        <p:txBody>
+          <a:bodyPr rtlCol="0" anchor="ctr">
+            <a:normAutofit/>
+          </a:bodyPr>
+          <a:lstStyle/>
+          <a:p>
+            <a:pPr algn="ctr"/>
+            <a:r>
+              <a:rPr lang="en-US" sz="9600" dirty="0">
+                <a:solidFill>
+                  <a:schemeClr val="bg1">
+                    <a:lumMod val="95000"/>
+                  </a:schemeClr>
+                </a:solidFill>
+                <a:latin typeface="Century" pitchFamily="18" charset="0"/>
+              </a:rPr>
+              <a:t>?</a:t>
+            </a:r>
+          </a:p>
+        </p:txBody>
+      </p:sp>
+      <p:sp>
+        <p:nvSpPr>
+          <p:cNvPr id="9" name="TextBox 8">
+            <a:extLst>
+              <a:ext uri="{FF2B5EF4-FFF2-40B4-BE49-F238E27FC236}">
+                <a16:creationId xmlns:a16="http://schemas.microsoft.com/office/drawing/2014/main" id="{F1619B17-8665-D043-8214-B4B4ED2C3B16}"/>
+              </a:ext>
+            </a:extLst>
+          </p:cNvPr>
+          <p:cNvSpPr txBox="1"/>
+          <p:nvPr/>
+        </p:nvSpPr>
+        <p:spPr>
+          <a:xfrm>
+            <a:off x="3962400" y="3962400"/>
+            <a:ext cx="1446230" cy="923330"/>
+          </a:xfrm>
+          <a:prstGeom prst="rect">
+            <a:avLst/>
+          </a:prstGeom>
+          <a:noFill/>
+        </p:spPr>
+        <p:txBody>
+          <a:bodyPr wrap="none" rtlCol="0">
+            <a:spAutoFit/>
+          </a:bodyPr>
+          <a:lstStyle/>
+          <a:p>
+            <a:r>
+              <a:rPr lang="en-US" dirty="0"/>
+              <a:t>deep purple</a:t>
+            </a:r>
+          </a:p>
+          <a:p>
+            <a:r>
+              <a:rPr lang="en-US" dirty="0"/>
+              <a:t>300 - 9575CD</a:t>
+            </a:r>
+          </a:p>
+          <a:p>
+            <a:r>
+              <a:rPr lang="en-US" dirty="0"/>
+              <a:t>500 - 673AB7</a:t>
+            </a:r>
+          </a:p>
+        </p:txBody>
+      </p:sp>
+      <p:sp>
+        <p:nvSpPr>
+          <p:cNvPr id="10" name="TextBox 9">
+            <a:extLst>
+              <a:ext uri="{FF2B5EF4-FFF2-40B4-BE49-F238E27FC236}">
+                <a16:creationId xmlns:a16="http://schemas.microsoft.com/office/drawing/2014/main" id="{710D63F8-EAC9-C54C-9B5B-572CF0B468AD}"/>
+              </a:ext>
+            </a:extLst>
+          </p:cNvPr>
+          <p:cNvSpPr txBox="1"/>
+          <p:nvPr/>
+        </p:nvSpPr>
+        <p:spPr>
+          <a:xfrm>
+            <a:off x="4419600" y="1219200"/>
+            <a:ext cx="1442383" cy="923330"/>
+          </a:xfrm>
+          <a:prstGeom prst="rect">
+            <a:avLst/>
+          </a:prstGeom>
+          <a:noFill/>
+        </p:spPr>
+        <p:txBody>
+          <a:bodyPr wrap="none" rtlCol="0">
+            <a:spAutoFit/>
+          </a:bodyPr>
+          <a:lstStyle/>
+          <a:p>
+            <a:r>
+              <a:rPr lang="en-US" dirty="0"/>
+              <a:t>purple</a:t>
+            </a:r>
+          </a:p>
+          <a:p>
+            <a:r>
+              <a:rPr lang="en-US" dirty="0"/>
+              <a:t>300 - BA68C8</a:t>
+            </a:r>
+          </a:p>
+          <a:p>
+            <a:r>
+              <a:rPr lang="en-US" dirty="0"/>
+              <a:t>500 - 9C27B0</a:t>
+            </a:r>
+          </a:p>
+        </p:txBody>
+      </p:sp>
+      <p:sp>
+        <p:nvSpPr>
+          <p:cNvPr id="11" name="Rounded Rectangle 10">
+            <a:extLst>
+              <a:ext uri="{FF2B5EF4-FFF2-40B4-BE49-F238E27FC236}">
+                <a16:creationId xmlns:a16="http://schemas.microsoft.com/office/drawing/2014/main" id="{BBEE1C4B-A411-3743-9D69-2CB963730485}"/>
+              </a:ext>
+            </a:extLst>
+          </p:cNvPr>
+          <p:cNvSpPr/>
+          <p:nvPr/>
+        </p:nvSpPr>
+        <p:spPr>
+          <a:xfrm>
+            <a:off x="1155551" y="762000"/>
+            <a:ext cx="2057400" cy="2057400"/>
+          </a:xfrm>
+          <a:prstGeom prst="roundRect">
+            <a:avLst/>
+          </a:prstGeom>
+          <a:solidFill>
+            <a:srgbClr val="BA68C8"/>
+          </a:solidFill>
+          <a:ln w="76200">
+            <a:solidFill>
+              <a:srgbClr val="9C27B0"/>
+            </a:solidFill>
+          </a:ln>
+        </p:spPr>
+        <p:style>
+          <a:lnRef idx="1">
+            <a:schemeClr val="dk1"/>
+          </a:lnRef>
+          <a:fillRef idx="2">
+            <a:schemeClr val="dk1"/>
+          </a:fillRef>
+          <a:effectRef idx="1">
+            <a:schemeClr val="dk1"/>
+          </a:effectRef>
+          <a:fontRef idx="minor">
+            <a:schemeClr val="dk1"/>
+          </a:fontRef>
+        </p:style>
+        <p:txBody>
+          <a:bodyPr rtlCol="0" anchor="ctr">
+            <a:normAutofit/>
+          </a:bodyPr>
+          <a:lstStyle/>
+          <a:p>
+            <a:pPr algn="ctr"/>
+            <a:r>
+              <a:rPr lang="en-US" sz="9600" dirty="0">
+                <a:solidFill>
+                  <a:schemeClr val="bg1">
+                    <a:lumMod val="95000"/>
+                  </a:schemeClr>
+                </a:solidFill>
+                <a:latin typeface="Century" pitchFamily="18" charset="0"/>
+              </a:rPr>
+              <a:t>?</a:t>
+            </a:r>
+          </a:p>
+        </p:txBody>
+      </p:sp>
+      <p:sp>
+        <p:nvSpPr>
+          <p:cNvPr id="12" name="TextBox 11">
+            <a:extLst>
+              <a:ext uri="{FF2B5EF4-FFF2-40B4-BE49-F238E27FC236}">
+                <a16:creationId xmlns:a16="http://schemas.microsoft.com/office/drawing/2014/main" id="{AD4FD0E1-1CD1-BA45-8E55-A06E3FF74436}"/>
+              </a:ext>
+            </a:extLst>
+          </p:cNvPr>
+          <p:cNvSpPr txBox="1"/>
+          <p:nvPr/>
+        </p:nvSpPr>
+        <p:spPr>
+          <a:xfrm>
+            <a:off x="7467600" y="3810000"/>
+            <a:ext cx="1418978" cy="923330"/>
+          </a:xfrm>
+          <a:prstGeom prst="rect">
+            <a:avLst/>
+          </a:prstGeom>
+          <a:noFill/>
+        </p:spPr>
+        <p:txBody>
+          <a:bodyPr wrap="none" rtlCol="0">
+            <a:spAutoFit/>
+          </a:bodyPr>
+          <a:lstStyle/>
+          <a:p>
+            <a:r>
+              <a:rPr lang="en-US" dirty="0"/>
+              <a:t>light blue</a:t>
+            </a:r>
+          </a:p>
+          <a:p>
+            <a:r>
+              <a:rPr lang="en-US" dirty="0"/>
+              <a:t>300 - 4FC3F7</a:t>
+            </a:r>
+          </a:p>
+          <a:p>
+            <a:r>
+              <a:rPr lang="en-US" dirty="0"/>
+              <a:t>500 - 03A9F4</a:t>
+            </a:r>
+          </a:p>
+        </p:txBody>
+      </p:sp>
+      <p:sp>
+        <p:nvSpPr>
+          <p:cNvPr id="13" name="Rounded Rectangle 12">
+            <a:extLst>
+              <a:ext uri="{FF2B5EF4-FFF2-40B4-BE49-F238E27FC236}">
+                <a16:creationId xmlns:a16="http://schemas.microsoft.com/office/drawing/2014/main" id="{10F43FC9-1CF3-274A-9CC0-493A1C0611EF}"/>
+              </a:ext>
+            </a:extLst>
+          </p:cNvPr>
+          <p:cNvSpPr/>
+          <p:nvPr/>
+        </p:nvSpPr>
+        <p:spPr>
+          <a:xfrm>
+            <a:off x="6705600" y="990600"/>
+            <a:ext cx="2057400" cy="2057400"/>
+          </a:xfrm>
+          <a:prstGeom prst="roundRect">
+            <a:avLst/>
+          </a:prstGeom>
+          <a:solidFill>
+            <a:srgbClr val="4FC3F7"/>
+          </a:solidFill>
+          <a:ln w="76200">
+            <a:solidFill>
+              <a:srgbClr val="03A9F4"/>
+            </a:solidFill>
+          </a:ln>
+        </p:spPr>
+        <p:style>
+          <a:lnRef idx="1">
+            <a:schemeClr val="dk1"/>
+          </a:lnRef>
+          <a:fillRef idx="2">
+            <a:schemeClr val="dk1"/>
+          </a:fillRef>
+          <a:effectRef idx="1">
+            <a:schemeClr val="dk1"/>
+          </a:effectRef>
+          <a:fontRef idx="minor">
+            <a:schemeClr val="dk1"/>
+          </a:fontRef>
+        </p:style>
+        <p:txBody>
+          <a:bodyPr rtlCol="0" anchor="ctr">
+            <a:normAutofit/>
+          </a:bodyPr>
+          <a:lstStyle/>
+          <a:p>
+            <a:pPr algn="ctr"/>
+            <a:r>
+              <a:rPr lang="en-US" sz="9600" dirty="0">
+                <a:solidFill>
+                  <a:schemeClr val="bg1">
+                    <a:lumMod val="95000"/>
+                  </a:schemeClr>
+                </a:solidFill>
+                <a:latin typeface="Century" pitchFamily="18" charset="0"/>
+              </a:rPr>
+              <a:t>?</a:t>
+            </a:r>
+          </a:p>
+        </p:txBody>
+      </p:sp>
+    </p:spTree>
+    <p:extLst>
+      <p:ext uri="{BB962C8B-B14F-4D97-AF65-F5344CB8AC3E}">
+        <p14:creationId xmlns:p14="http://schemas.microsoft.com/office/powerpoint/2010/main" val="4029917412"/>
+      </p:ext>
+    </p:extLst>
+  </p:cSld>
+  <p:clrMapOvr>
+    <a:masterClrMapping/>
+  </p:clrMapOvr>
+</p:sld>
+</file>
+
+<file path=ppt/slides/slide6.xml><?xml version="1.0" encoding="utf-8"?>
+<p:sld xmlns:a="http://schemas.openxmlformats.org/drawingml/2006/main" xmlns:r="http://schemas.openxmlformats.org/officeDocument/2006/relationships" xmlns:p="http://schemas.openxmlformats.org/presentationml/2006/main">
+  <p:cSld>
+    <p:spTree>
+      <p:nvGrpSpPr>
+        <p:cNvPr id="1" name=""/>
+        <p:cNvGrpSpPr/>
+        <p:nvPr/>
+      </p:nvGrpSpPr>
+      <p:grpSpPr>
+        <a:xfrm>
+          <a:off x="0" y="0"/>
+          <a:ext cx="0" cy="0"/>
+          <a:chOff x="0" y="0"/>
+          <a:chExt cx="0" cy="0"/>
+        </a:xfrm>
+      </p:grpSpPr>
+      <p:sp>
+        <p:nvSpPr>
+          <p:cNvPr id="11" name="Rounded Rectangle 10">
+            <a:extLst>
+              <a:ext uri="{FF2B5EF4-FFF2-40B4-BE49-F238E27FC236}">
+                <a16:creationId xmlns:a16="http://schemas.microsoft.com/office/drawing/2014/main" id="{BBEE1C4B-A411-3743-9D69-2CB963730485}"/>
+              </a:ext>
+            </a:extLst>
+          </p:cNvPr>
+          <p:cNvSpPr/>
+          <p:nvPr/>
+        </p:nvSpPr>
+        <p:spPr>
+          <a:xfrm>
+            <a:off x="1155551" y="762000"/>
+            <a:ext cx="2057400" cy="2057400"/>
+          </a:xfrm>
+          <a:prstGeom prst="roundRect">
+            <a:avLst/>
+          </a:prstGeom>
+          <a:solidFill>
+            <a:srgbClr val="FFD54F"/>
+          </a:solidFill>
+          <a:ln w="76200">
+            <a:solidFill>
+              <a:srgbClr val="FFC107"/>
+            </a:solidFill>
+          </a:ln>
+        </p:spPr>
+        <p:style>
+          <a:lnRef idx="1">
+            <a:schemeClr val="dk1"/>
+          </a:lnRef>
+          <a:fillRef idx="2">
+            <a:schemeClr val="dk1"/>
+          </a:fillRef>
+          <a:effectRef idx="1">
+            <a:schemeClr val="dk1"/>
+          </a:effectRef>
+          <a:fontRef idx="minor">
+            <a:schemeClr val="dk1"/>
+          </a:fontRef>
+        </p:style>
+        <p:txBody>
+          <a:bodyPr rtlCol="0" anchor="ctr">
+            <a:normAutofit/>
+          </a:bodyPr>
+          <a:lstStyle/>
+          <a:p>
+            <a:pPr algn="ctr"/>
+            <a:r>
+              <a:rPr lang="en-US" sz="9600" dirty="0">
+                <a:solidFill>
+                  <a:schemeClr val="bg1">
+                    <a:lumMod val="95000"/>
+                  </a:schemeClr>
+                </a:solidFill>
+                <a:latin typeface="Century" pitchFamily="18" charset="0"/>
+              </a:rPr>
+              <a:t>?</a:t>
+            </a:r>
+          </a:p>
+        </p:txBody>
+      </p:sp>
+      <p:sp>
+        <p:nvSpPr>
+          <p:cNvPr id="2" name="TextBox 1">
+            <a:extLst>
+              <a:ext uri="{FF2B5EF4-FFF2-40B4-BE49-F238E27FC236}">
+                <a16:creationId xmlns:a16="http://schemas.microsoft.com/office/drawing/2014/main" id="{E8B075F3-DF9B-5747-8A63-AE237CCABB47}"/>
+              </a:ext>
+            </a:extLst>
+          </p:cNvPr>
+          <p:cNvSpPr txBox="1"/>
+          <p:nvPr/>
+        </p:nvSpPr>
+        <p:spPr>
+          <a:xfrm>
+            <a:off x="3733800" y="1219200"/>
+            <a:ext cx="1406154" cy="923330"/>
+          </a:xfrm>
+          <a:prstGeom prst="rect">
+            <a:avLst/>
+          </a:prstGeom>
+          <a:noFill/>
+        </p:spPr>
+        <p:txBody>
+          <a:bodyPr wrap="none" rtlCol="0">
+            <a:spAutoFit/>
+          </a:bodyPr>
+          <a:lstStyle/>
+          <a:p>
+            <a:r>
+              <a:rPr lang="en-US" dirty="0"/>
+              <a:t>amber</a:t>
+            </a:r>
+          </a:p>
+          <a:p>
+            <a:r>
+              <a:rPr lang="en-US" dirty="0"/>
+              <a:t>300 - FFD54F</a:t>
+            </a:r>
+          </a:p>
+          <a:p>
+            <a:r>
+              <a:rPr lang="en-US" dirty="0"/>
+              <a:t>500 - FFC107</a:t>
+            </a:r>
+          </a:p>
+        </p:txBody>
+      </p:sp>
+      <p:sp>
+        <p:nvSpPr>
+          <p:cNvPr id="3" name="TextBox 2">
+            <a:extLst>
+              <a:ext uri="{FF2B5EF4-FFF2-40B4-BE49-F238E27FC236}">
+                <a16:creationId xmlns:a16="http://schemas.microsoft.com/office/drawing/2014/main" id="{9B6B5262-64F2-CF41-9BEB-C0B666939ECE}"/>
+              </a:ext>
+            </a:extLst>
+          </p:cNvPr>
+          <p:cNvSpPr txBox="1"/>
+          <p:nvPr/>
+        </p:nvSpPr>
+        <p:spPr>
+          <a:xfrm>
+            <a:off x="4114800" y="3733800"/>
+            <a:ext cx="1478290" cy="923330"/>
+          </a:xfrm>
+          <a:prstGeom prst="rect">
+            <a:avLst/>
+          </a:prstGeom>
+          <a:noFill/>
+        </p:spPr>
+        <p:txBody>
+          <a:bodyPr wrap="none" rtlCol="0">
+            <a:spAutoFit/>
+          </a:bodyPr>
+          <a:lstStyle/>
+          <a:p>
+            <a:r>
+              <a:rPr lang="en-US" dirty="0"/>
+              <a:t>lime</a:t>
+            </a:r>
+          </a:p>
+          <a:p>
+            <a:r>
+              <a:rPr lang="en-US" dirty="0"/>
+              <a:t>300 - DCE775</a:t>
+            </a:r>
+          </a:p>
+          <a:p>
+            <a:r>
+              <a:rPr lang="en-US" dirty="0"/>
+              <a:t>500 - CDDC39</a:t>
+            </a:r>
+          </a:p>
+        </p:txBody>
+      </p:sp>
+      <p:sp>
+        <p:nvSpPr>
+          <p:cNvPr id="14" name="Rounded Rectangle 13">
+            <a:extLst>
+              <a:ext uri="{FF2B5EF4-FFF2-40B4-BE49-F238E27FC236}">
+                <a16:creationId xmlns:a16="http://schemas.microsoft.com/office/drawing/2014/main" id="{499E24A7-7C41-3248-9527-247A57C7AA2F}"/>
+              </a:ext>
+            </a:extLst>
+          </p:cNvPr>
+          <p:cNvSpPr/>
+          <p:nvPr/>
+        </p:nvSpPr>
+        <p:spPr>
+          <a:xfrm>
+            <a:off x="1192337" y="3434255"/>
+            <a:ext cx="2057400" cy="2057400"/>
+          </a:xfrm>
+          <a:prstGeom prst="roundRect">
+            <a:avLst/>
+          </a:prstGeom>
+          <a:solidFill>
+            <a:srgbClr val="DCE775"/>
+          </a:solidFill>
+          <a:ln w="76200">
+            <a:solidFill>
+              <a:srgbClr val="CDDC39"/>
+            </a:solidFill>
+          </a:ln>
+        </p:spPr>
+        <p:style>
+          <a:lnRef idx="1">
+            <a:schemeClr val="dk1"/>
+          </a:lnRef>
+          <a:fillRef idx="2">
+            <a:schemeClr val="dk1"/>
+          </a:fillRef>
+          <a:effectRef idx="1">
+            <a:schemeClr val="dk1"/>
+          </a:effectRef>
+          <a:fontRef idx="minor">
+            <a:schemeClr val="dk1"/>
+          </a:fontRef>
+        </p:style>
+        <p:txBody>
+          <a:bodyPr rtlCol="0" anchor="ctr">
+            <a:normAutofit/>
+          </a:bodyPr>
+          <a:lstStyle/>
+          <a:p>
+            <a:pPr algn="ctr"/>
+            <a:r>
+              <a:rPr lang="en-US" sz="9600" dirty="0">
+                <a:solidFill>
+                  <a:schemeClr val="bg1">
+                    <a:lumMod val="95000"/>
+                  </a:schemeClr>
+                </a:solidFill>
+                <a:latin typeface="Century" pitchFamily="18" charset="0"/>
+              </a:rPr>
+              <a:t>?</a:t>
+            </a:r>
+          </a:p>
+        </p:txBody>
+      </p:sp>
+      <p:sp>
+        <p:nvSpPr>
+          <p:cNvPr id="5" name="TextBox 4">
+            <a:extLst>
+              <a:ext uri="{FF2B5EF4-FFF2-40B4-BE49-F238E27FC236}">
+                <a16:creationId xmlns:a16="http://schemas.microsoft.com/office/drawing/2014/main" id="{DFC03DED-BE5A-A34F-8E15-0960EB0F95C9}"/>
+              </a:ext>
+            </a:extLst>
+          </p:cNvPr>
+          <p:cNvSpPr txBox="1"/>
+          <p:nvPr/>
+        </p:nvSpPr>
+        <p:spPr>
+          <a:xfrm>
+            <a:off x="7467600" y="4114800"/>
+            <a:ext cx="1409360" cy="923330"/>
+          </a:xfrm>
+          <a:prstGeom prst="rect">
+            <a:avLst/>
+          </a:prstGeom>
+          <a:noFill/>
+        </p:spPr>
+        <p:txBody>
+          <a:bodyPr wrap="none" rtlCol="0">
+            <a:spAutoFit/>
+          </a:bodyPr>
+          <a:lstStyle/>
+          <a:p>
+            <a:r>
+              <a:rPr lang="en-US" dirty="0"/>
+              <a:t>red</a:t>
+            </a:r>
+          </a:p>
+          <a:p>
+            <a:r>
+              <a:rPr lang="en-US" dirty="0"/>
+              <a:t>300 - E57373</a:t>
+            </a:r>
+          </a:p>
+          <a:p>
+            <a:r>
+              <a:rPr lang="en-US" dirty="0"/>
+              <a:t>500 - F44336</a:t>
+            </a:r>
+          </a:p>
+        </p:txBody>
+      </p:sp>
+      <p:sp>
+        <p:nvSpPr>
+          <p:cNvPr id="15" name="Rounded Rectangle 14">
+            <a:extLst>
+              <a:ext uri="{FF2B5EF4-FFF2-40B4-BE49-F238E27FC236}">
+                <a16:creationId xmlns:a16="http://schemas.microsoft.com/office/drawing/2014/main" id="{AD73B41F-E2CB-9644-9675-5507E32AF538}"/>
+              </a:ext>
+            </a:extLst>
+          </p:cNvPr>
+          <p:cNvSpPr/>
+          <p:nvPr/>
+        </p:nvSpPr>
+        <p:spPr>
+          <a:xfrm>
+            <a:off x="6324600" y="1524000"/>
+            <a:ext cx="2057400" cy="2057400"/>
+          </a:xfrm>
+          <a:prstGeom prst="roundRect">
+            <a:avLst/>
+          </a:prstGeom>
+          <a:solidFill>
+            <a:srgbClr val="E57373"/>
+          </a:solidFill>
+          <a:ln w="76200">
+            <a:solidFill>
+              <a:srgbClr val="F44336"/>
+            </a:solidFill>
+          </a:ln>
+        </p:spPr>
+        <p:style>
+          <a:lnRef idx="1">
+            <a:schemeClr val="dk1"/>
+          </a:lnRef>
+          <a:fillRef idx="2">
+            <a:schemeClr val="dk1"/>
+          </a:fillRef>
+          <a:effectRef idx="1">
+            <a:schemeClr val="dk1"/>
+          </a:effectRef>
+          <a:fontRef idx="minor">
+            <a:schemeClr val="dk1"/>
+          </a:fontRef>
+        </p:style>
+        <p:txBody>
+          <a:bodyPr rtlCol="0" anchor="ctr">
+            <a:normAutofit/>
+          </a:bodyPr>
+          <a:lstStyle/>
+          <a:p>
+            <a:pPr algn="ctr"/>
+            <a:r>
+              <a:rPr lang="en-US" sz="9600" dirty="0">
+                <a:solidFill>
+                  <a:schemeClr val="bg1">
+                    <a:lumMod val="95000"/>
+                  </a:schemeClr>
+                </a:solidFill>
+                <a:latin typeface="Century" pitchFamily="18" charset="0"/>
+              </a:rPr>
+              <a:t>?</a:t>
+            </a:r>
+          </a:p>
+        </p:txBody>
+      </p:sp>
+    </p:spTree>
+    <p:extLst>
+      <p:ext uri="{BB962C8B-B14F-4D97-AF65-F5344CB8AC3E}">
+        <p14:creationId xmlns:p14="http://schemas.microsoft.com/office/powerpoint/2010/main" val="765545841"/>
       </p:ext>
     </p:extLst>
   </p:cSld>
@@ -4449,4 +5812,299 @@
   <a:objectDefaults/>
   <a:extraClrSchemeLst/>
 </a:theme>
+</file>
+
+<file path=ppt/theme/theme2.xml><?xml version="1.0" encoding="utf-8"?>
+<a:theme xmlns:a="http://schemas.openxmlformats.org/drawingml/2006/main" name="Office Theme">
+  <a:themeElements>
+    <a:clrScheme name="Office">
+      <a:dk1>
+        <a:sysClr val="windowText" lastClr="000000"/>
+      </a:dk1>
+      <a:lt1>
+        <a:sysClr val="window" lastClr="FFFFFF"/>
+      </a:lt1>
+      <a:dk2>
+        <a:srgbClr val="44546A"/>
+      </a:dk2>
+      <a:lt2>
+        <a:srgbClr val="E7E6E6"/>
+      </a:lt2>
+      <a:accent1>
+        <a:srgbClr val="4472C4"/>
+      </a:accent1>
+      <a:accent2>
+        <a:srgbClr val="ED7D31"/>
+      </a:accent2>
+      <a:accent3>
+        <a:srgbClr val="A5A5A5"/>
+      </a:accent3>
+      <a:accent4>
+        <a:srgbClr val="FFC000"/>
+      </a:accent4>
+      <a:accent5>
+        <a:srgbClr val="5B9BD5"/>
+      </a:accent5>
+      <a:accent6>
+        <a:srgbClr val="70AD47"/>
+      </a:accent6>
+      <a:hlink>
+        <a:srgbClr val="0563C1"/>
+      </a:hlink>
+      <a:folHlink>
+        <a:srgbClr val="954F72"/>
+      </a:folHlink>
+    </a:clrScheme>
+    <a:fontScheme name="Office">
+      <a:majorFont>
+        <a:latin typeface="Calibri Light" panose="020F0302020204030204"/>
+        <a:ea typeface=""/>
+        <a:cs typeface=""/>
+        <a:font script="Jpan" typeface="游ゴシック Light"/>
+        <a:font script="Hang" typeface="맑은 고딕"/>
+        <a:font script="Hans" typeface="等线 Light"/>
+        <a:font script="Hant" typeface="新細明體"/>
+        <a:font script="Arab" typeface="Times New Roman"/>
+        <a:font script="Hebr" typeface="Times New Roman"/>
+        <a:font script="Thai" typeface="Angsana New"/>
+        <a:font script="Ethi" typeface="Nyala"/>
+        <a:font script="Beng" typeface="Vrinda"/>
+        <a:font script="Gujr" typeface="Shruti"/>
+        <a:font script="Khmr" typeface="MoolBoran"/>
+        <a:font script="Knda" typeface="Tunga"/>
+        <a:font script="Guru" typeface="Raavi"/>
+        <a:font script="Cans" typeface="Euphemia"/>
+        <a:font script="Cher" typeface="Plantagenet Cherokee"/>
+        <a:font script="Yiii" typeface="Microsoft Yi Baiti"/>
+        <a:font script="Tibt" typeface="Microsoft Himalaya"/>
+        <a:font script="Thaa" typeface="MV Boli"/>
+        <a:font script="Deva" typeface="Mangal"/>
+        <a:font script="Telu" typeface="Gautami"/>
+        <a:font script="Taml" typeface="Latha"/>
+        <a:font script="Syrc" typeface="Estrangelo Edessa"/>
+        <a:font script="Orya" typeface="Kalinga"/>
+        <a:font script="Mlym" typeface="Kartika"/>
+        <a:font script="Laoo" typeface="DokChampa"/>
+        <a:font script="Sinh" typeface="Iskoola Pota"/>
+        <a:font script="Mong" typeface="Mongolian Baiti"/>
+        <a:font script="Viet" typeface="Times New Roman"/>
+        <a:font script="Uigh" typeface="Microsoft Uighur"/>
+        <a:font script="Geor" typeface="Sylfaen"/>
+        <a:font script="Armn" typeface="Arial"/>
+        <a:font script="Bugi" typeface="Leelawadee UI"/>
+        <a:font script="Bopo" typeface="Microsoft JhengHei"/>
+        <a:font script="Java" typeface="Javanese Text"/>
+        <a:font script="Lisu" typeface="Segoe UI"/>
+        <a:font script="Mymr" typeface="Myanmar Text"/>
+        <a:font script="Nkoo" typeface="Ebrima"/>
+        <a:font script="Olck" typeface="Nirmala UI"/>
+        <a:font script="Osma" typeface="Ebrima"/>
+        <a:font script="Phag" typeface="Phagspa"/>
+        <a:font script="Syrn" typeface="Estrangelo Edessa"/>
+        <a:font script="Syrj" typeface="Estrangelo Edessa"/>
+        <a:font script="Syre" typeface="Estrangelo Edessa"/>
+        <a:font script="Sora" typeface="Nirmala UI"/>
+        <a:font script="Tale" typeface="Microsoft Tai Le"/>
+        <a:font script="Talu" typeface="Microsoft New Tai Lue"/>
+        <a:font script="Tfng" typeface="Ebrima"/>
+      </a:majorFont>
+      <a:minorFont>
+        <a:latin typeface="Calibri" panose="020F0502020204030204"/>
+        <a:ea typeface=""/>
+        <a:cs typeface=""/>
+        <a:font script="Jpan" typeface="游ゴシック"/>
+        <a:font script="Hang" typeface="맑은 고딕"/>
+        <a:font script="Hans" typeface="等线"/>
+        <a:font script="Hant" typeface="新細明體"/>
+        <a:font script="Arab" typeface="Arial"/>
+        <a:font script="Hebr" typeface="Arial"/>
+        <a:font script="Thai" typeface="Cordia New"/>
+        <a:font script="Ethi" typeface="Nyala"/>
+        <a:font script="Beng" typeface="Vrinda"/>
+        <a:font script="Gujr" typeface="Shruti"/>
+        <a:font script="Khmr" typeface="DaunPenh"/>
+        <a:font script="Knda" typeface="Tunga"/>
+        <a:font script="Guru" typeface="Raavi"/>
+        <a:font script="Cans" typeface="Euphemia"/>
+        <a:font script="Cher" typeface="Plantagenet Cherokee"/>
+        <a:font script="Yiii" typeface="Microsoft Yi Baiti"/>
+        <a:font script="Tibt" typeface="Microsoft Himalaya"/>
+        <a:font script="Thaa" typeface="MV Boli"/>
+        <a:font script="Deva" typeface="Mangal"/>
+        <a:font script="Telu" typeface="Gautami"/>
+        <a:font script="Taml" typeface="Latha"/>
+        <a:font script="Syrc" typeface="Estrangelo Edessa"/>
+        <a:font script="Orya" typeface="Kalinga"/>
+        <a:font script="Mlym" typeface="Kartika"/>
+        <a:font script="Laoo" typeface="DokChampa"/>
+        <a:font script="Sinh" typeface="Iskoola Pota"/>
+        <a:font script="Mong" typeface="Mongolian Baiti"/>
+        <a:font script="Viet" typeface="Arial"/>
+        <a:font script="Uigh" typeface="Microsoft Uighur"/>
+        <a:font script="Geor" typeface="Sylfaen"/>
+        <a:font script="Armn" typeface="Arial"/>
+        <a:font script="Bugi" typeface="Leelawadee UI"/>
+        <a:font script="Bopo" typeface="Microsoft JhengHei"/>
+        <a:font script="Java" typeface="Javanese Text"/>
+        <a:font script="Lisu" typeface="Segoe UI"/>
+        <a:font script="Mymr" typeface="Myanmar Text"/>
+        <a:font script="Nkoo" typeface="Ebrima"/>
+        <a:font script="Olck" typeface="Nirmala UI"/>
+        <a:font script="Osma" typeface="Ebrima"/>
+        <a:font script="Phag" typeface="Phagspa"/>
+        <a:font script="Syrn" typeface="Estrangelo Edessa"/>
+        <a:font script="Syrj" typeface="Estrangelo Edessa"/>
+        <a:font script="Syre" typeface="Estrangelo Edessa"/>
+        <a:font script="Sora" typeface="Nirmala UI"/>
+        <a:font script="Tale" typeface="Microsoft Tai Le"/>
+        <a:font script="Talu" typeface="Microsoft New Tai Lue"/>
+        <a:font script="Tfng" typeface="Ebrima"/>
+      </a:minorFont>
+    </a:fontScheme>
+    <a:fmtScheme name="Office">
+      <a:fillStyleLst>
+        <a:solidFill>
+          <a:schemeClr val="phClr"/>
+        </a:solidFill>
+        <a:gradFill rotWithShape="1">
+          <a:gsLst>
+            <a:gs pos="0">
+              <a:schemeClr val="phClr">
+                <a:lumMod val="110000"/>
+                <a:satMod val="105000"/>
+                <a:tint val="67000"/>
+              </a:schemeClr>
+            </a:gs>
+            <a:gs pos="50000">
+              <a:schemeClr val="phClr">
+                <a:lumMod val="105000"/>
+                <a:satMod val="103000"/>
+                <a:tint val="73000"/>
+              </a:schemeClr>
+            </a:gs>
+            <a:gs pos="100000">
+              <a:schemeClr val="phClr">
+                <a:lumMod val="105000"/>
+                <a:satMod val="109000"/>
+                <a:tint val="81000"/>
+              </a:schemeClr>
+            </a:gs>
+          </a:gsLst>
+          <a:lin ang="5400000" scaled="0"/>
+        </a:gradFill>
+        <a:gradFill rotWithShape="1">
+          <a:gsLst>
+            <a:gs pos="0">
+              <a:schemeClr val="phClr">
+                <a:satMod val="103000"/>
+                <a:lumMod val="102000"/>
+                <a:tint val="94000"/>
+              </a:schemeClr>
+            </a:gs>
+            <a:gs pos="50000">
+              <a:schemeClr val="phClr">
+                <a:satMod val="110000"/>
+                <a:lumMod val="100000"/>
+                <a:shade val="100000"/>
+              </a:schemeClr>
+            </a:gs>
+            <a:gs pos="100000">
+              <a:schemeClr val="phClr">
+                <a:lumMod val="99000"/>
+                <a:satMod val="120000"/>
+                <a:shade val="78000"/>
+              </a:schemeClr>
+            </a:gs>
+          </a:gsLst>
+          <a:lin ang="5400000" scaled="0"/>
+        </a:gradFill>
+      </a:fillStyleLst>
+      <a:lnStyleLst>
+        <a:ln w="6350" cap="flat" cmpd="sng" algn="ctr">
+          <a:solidFill>
+            <a:schemeClr val="phClr"/>
+          </a:solidFill>
+          <a:prstDash val="solid"/>
+          <a:miter lim="800000"/>
+        </a:ln>
+        <a:ln w="12700" cap="flat" cmpd="sng" algn="ctr">
+          <a:solidFill>
+            <a:schemeClr val="phClr"/>
+          </a:solidFill>
+          <a:prstDash val="solid"/>
+          <a:miter lim="800000"/>
+        </a:ln>
+        <a:ln w="19050" cap="flat" cmpd="sng" algn="ctr">
+          <a:solidFill>
+            <a:schemeClr val="phClr"/>
+          </a:solidFill>
+          <a:prstDash val="solid"/>
+          <a:miter lim="800000"/>
+        </a:ln>
+      </a:lnStyleLst>
+      <a:effectStyleLst>
+        <a:effectStyle>
+          <a:effectLst/>
+        </a:effectStyle>
+        <a:effectStyle>
+          <a:effectLst/>
+        </a:effectStyle>
+        <a:effectStyle>
+          <a:effectLst>
+            <a:outerShdw blurRad="57150" dist="19050" dir="5400000" algn="ctr" rotWithShape="0">
+              <a:srgbClr val="000000">
+                <a:alpha val="63000"/>
+              </a:srgbClr>
+            </a:outerShdw>
+          </a:effectLst>
+        </a:effectStyle>
+      </a:effectStyleLst>
+      <a:bgFillStyleLst>
+        <a:solidFill>
+          <a:schemeClr val="phClr"/>
+        </a:solidFill>
+        <a:solidFill>
+          <a:schemeClr val="phClr">
+            <a:tint val="95000"/>
+            <a:satMod val="170000"/>
+          </a:schemeClr>
+        </a:solidFill>
+        <a:gradFill rotWithShape="1">
+          <a:gsLst>
+            <a:gs pos="0">
+              <a:schemeClr val="phClr">
+                <a:tint val="93000"/>
+                <a:satMod val="150000"/>
+                <a:shade val="98000"/>
+                <a:lumMod val="102000"/>
+              </a:schemeClr>
+            </a:gs>
+            <a:gs pos="50000">
+              <a:schemeClr val="phClr">
+                <a:tint val="98000"/>
+                <a:satMod val="130000"/>
+                <a:shade val="90000"/>
+                <a:lumMod val="103000"/>
+              </a:schemeClr>
+            </a:gs>
+            <a:gs pos="100000">
+              <a:schemeClr val="phClr">
+                <a:shade val="63000"/>
+                <a:satMod val="120000"/>
+              </a:schemeClr>
+            </a:gs>
+          </a:gsLst>
+          <a:lin ang="5400000" scaled="0"/>
+        </a:gradFill>
+      </a:bgFillStyleLst>
+    </a:fmtScheme>
+  </a:themeElements>
+  <a:objectDefaults/>
+  <a:extraClrSchemeLst/>
+  <a:extLst>
+    <a:ext uri="{05A4C25C-085E-4340-85A3-A5531E510DB2}">
+      <thm15:themeFamily xmlns:thm15="http://schemas.microsoft.com/office/thememl/2012/main" name="Office Theme" id="{62F939B6-93AF-4DB8-9C6B-D6C7DFDC589F}" vid="{4A3C46E8-61CC-4603-A589-7422A47A8E4A}"/>
+    </a:ext>
+  </a:extLst>
+</a:theme>
 </file>
--- a/HymnIcons.pptx
+++ b/HymnIcons.pptx
@@ -5,7 +5,7 @@
     <p:sldMasterId id="2147483648" r:id="rId1"/>
   </p:sldMasterIdLst>
   <p:notesMasterIdLst>
-    <p:notesMasterId r:id="rId8"/>
+    <p:notesMasterId r:id="rId9"/>
   </p:notesMasterIdLst>
   <p:sldIdLst>
     <p:sldId id="256" r:id="rId2"/>
@@ -14,6 +14,7 @@
     <p:sldId id="259" r:id="rId5"/>
     <p:sldId id="261" r:id="rId6"/>
     <p:sldId id="263" r:id="rId7"/>
+    <p:sldId id="264" r:id="rId8"/>
   </p:sldIdLst>
   <p:sldSz cx="9144000" cy="6858000" type="screen4x3"/>
   <p:notesSz cx="6858000" cy="9144000"/>
@@ -213,7 +214,7 @@
           <a:p>
             <a:fld id="{EF9CD902-8637-1048-BDEB-F124F7F64116}" type="datetimeFigureOut">
               <a:rPr lang="en-US" smtClean="0"/>
-              <a:t>6/18/19</a:t>
+              <a:t>3/14/2020</a:t>
             </a:fld>
             <a:endParaRPr lang="en-US"/>
           </a:p>
@@ -743,7 +744,7 @@
           <a:p>
             <a:fld id="{477B3B45-EB55-46BF-8EE7-F91257854600}" type="datetimeFigureOut">
               <a:rPr lang="en-US" smtClean="0"/>
-              <a:t>6/18/19</a:t>
+              <a:t>3/14/2020</a:t>
             </a:fld>
             <a:endParaRPr lang="en-US"/>
           </a:p>
@@ -906,7 +907,7 @@
           <a:p>
             <a:fld id="{477B3B45-EB55-46BF-8EE7-F91257854600}" type="datetimeFigureOut">
               <a:rPr lang="en-US" smtClean="0"/>
-              <a:t>6/18/19</a:t>
+              <a:t>3/14/2020</a:t>
             </a:fld>
             <a:endParaRPr lang="en-US"/>
           </a:p>
@@ -1079,7 +1080,7 @@
           <a:p>
             <a:fld id="{477B3B45-EB55-46BF-8EE7-F91257854600}" type="datetimeFigureOut">
               <a:rPr lang="en-US" smtClean="0"/>
-              <a:t>6/18/19</a:t>
+              <a:t>3/14/2020</a:t>
             </a:fld>
             <a:endParaRPr lang="en-US"/>
           </a:p>
@@ -1242,7 +1243,7 @@
           <a:p>
             <a:fld id="{477B3B45-EB55-46BF-8EE7-F91257854600}" type="datetimeFigureOut">
               <a:rPr lang="en-US" smtClean="0"/>
-              <a:t>6/18/19</a:t>
+              <a:t>3/14/2020</a:t>
             </a:fld>
             <a:endParaRPr lang="en-US"/>
           </a:p>
@@ -1482,7 +1483,7 @@
           <a:p>
             <a:fld id="{477B3B45-EB55-46BF-8EE7-F91257854600}" type="datetimeFigureOut">
               <a:rPr lang="en-US" smtClean="0"/>
-              <a:t>6/18/19</a:t>
+              <a:t>3/14/2020</a:t>
             </a:fld>
             <a:endParaRPr lang="en-US"/>
           </a:p>
@@ -1762,7 +1763,7 @@
           <a:p>
             <a:fld id="{477B3B45-EB55-46BF-8EE7-F91257854600}" type="datetimeFigureOut">
               <a:rPr lang="en-US" smtClean="0"/>
-              <a:t>6/18/19</a:t>
+              <a:t>3/14/2020</a:t>
             </a:fld>
             <a:endParaRPr lang="en-US"/>
           </a:p>
@@ -2176,7 +2177,7 @@
           <a:p>
             <a:fld id="{477B3B45-EB55-46BF-8EE7-F91257854600}" type="datetimeFigureOut">
               <a:rPr lang="en-US" smtClean="0"/>
-              <a:t>6/18/19</a:t>
+              <a:t>3/14/2020</a:t>
             </a:fld>
             <a:endParaRPr lang="en-US"/>
           </a:p>
@@ -2288,7 +2289,7 @@
           <a:p>
             <a:fld id="{477B3B45-EB55-46BF-8EE7-F91257854600}" type="datetimeFigureOut">
               <a:rPr lang="en-US" smtClean="0"/>
-              <a:t>6/18/19</a:t>
+              <a:t>3/14/2020</a:t>
             </a:fld>
             <a:endParaRPr lang="en-US"/>
           </a:p>
@@ -2378,7 +2379,7 @@
           <a:p>
             <a:fld id="{477B3B45-EB55-46BF-8EE7-F91257854600}" type="datetimeFigureOut">
               <a:rPr lang="en-US" smtClean="0"/>
-              <a:t>6/18/19</a:t>
+              <a:t>3/14/2020</a:t>
             </a:fld>
             <a:endParaRPr lang="en-US"/>
           </a:p>
@@ -2648,7 +2649,7 @@
           <a:p>
             <a:fld id="{477B3B45-EB55-46BF-8EE7-F91257854600}" type="datetimeFigureOut">
               <a:rPr lang="en-US" smtClean="0"/>
-              <a:t>6/18/19</a:t>
+              <a:t>3/14/2020</a:t>
             </a:fld>
             <a:endParaRPr lang="en-US"/>
           </a:p>
@@ -2895,7 +2896,7 @@
           <a:p>
             <a:fld id="{477B3B45-EB55-46BF-8EE7-F91257854600}" type="datetimeFigureOut">
               <a:rPr lang="en-US" smtClean="0"/>
-              <a:t>6/18/19</a:t>
+              <a:t>3/14/2020</a:t>
             </a:fld>
             <a:endParaRPr lang="en-US"/>
           </a:p>
@@ -3101,7 +3102,7 @@
           <a:p>
             <a:fld id="{477B3B45-EB55-46BF-8EE7-F91257854600}" type="datetimeFigureOut">
               <a:rPr lang="en-US" smtClean="0"/>
-              <a:t>6/18/19</a:t>
+              <a:t>3/14/2020</a:t>
             </a:fld>
             <a:endParaRPr lang="en-US"/>
           </a:p>
@@ -5522,6 +5523,164 @@
     <p:extLst>
       <p:ext uri="{BB962C8B-B14F-4D97-AF65-F5344CB8AC3E}">
         <p14:creationId xmlns:p14="http://schemas.microsoft.com/office/powerpoint/2010/main" val="765545841"/>
+      </p:ext>
+    </p:extLst>
+  </p:cSld>
+  <p:clrMapOvr>
+    <a:masterClrMapping/>
+  </p:clrMapOvr>
+</p:sld>
+</file>
+
+<file path=ppt/slides/slide7.xml><?xml version="1.0" encoding="utf-8"?>
+<p:sld xmlns:a="http://schemas.openxmlformats.org/drawingml/2006/main" xmlns:r="http://schemas.openxmlformats.org/officeDocument/2006/relationships" xmlns:p="http://schemas.openxmlformats.org/presentationml/2006/main">
+  <p:cSld>
+    <p:spTree>
+      <p:nvGrpSpPr>
+        <p:cNvPr id="1" name=""/>
+        <p:cNvGrpSpPr/>
+        <p:nvPr/>
+      </p:nvGrpSpPr>
+      <p:grpSpPr>
+        <a:xfrm>
+          <a:off x="0" y="0"/>
+          <a:ext cx="0" cy="0"/>
+          <a:chOff x="0" y="0"/>
+          <a:chExt cx="0" cy="0"/>
+        </a:xfrm>
+      </p:grpSpPr>
+      <p:sp>
+        <p:nvSpPr>
+          <p:cNvPr id="4" name="Rounded Rectangle 5">
+            <a:extLst>
+              <a:ext uri="{FF2B5EF4-FFF2-40B4-BE49-F238E27FC236}">
+                <a16:creationId xmlns:a16="http://schemas.microsoft.com/office/drawing/2014/main" id="{CCAEA925-729D-4EFC-AA83-849DA81E7F9F}"/>
+              </a:ext>
+            </a:extLst>
+          </p:cNvPr>
+          <p:cNvSpPr/>
+          <p:nvPr/>
+        </p:nvSpPr>
+        <p:spPr>
+          <a:xfrm>
+            <a:off x="3810000" y="800100"/>
+            <a:ext cx="2057400" cy="2057400"/>
+          </a:xfrm>
+          <a:prstGeom prst="roundRect">
+            <a:avLst/>
+          </a:prstGeom>
+          <a:solidFill>
+            <a:srgbClr val="AA78CC"/>
+          </a:solidFill>
+          <a:ln w="76200">
+            <a:solidFill>
+              <a:srgbClr val="9933CC"/>
+            </a:solidFill>
+          </a:ln>
+        </p:spPr>
+        <p:style>
+          <a:lnRef idx="1">
+            <a:schemeClr val="dk1"/>
+          </a:lnRef>
+          <a:fillRef idx="2">
+            <a:schemeClr val="dk1"/>
+          </a:fillRef>
+          <a:effectRef idx="1">
+            <a:schemeClr val="dk1"/>
+          </a:effectRef>
+          <a:fontRef idx="minor">
+            <a:schemeClr val="dk1"/>
+          </a:fontRef>
+        </p:style>
+        <p:txBody>
+          <a:bodyPr rtlCol="0" anchor="ctr"/>
+          <a:lstStyle/>
+          <a:p>
+            <a:pPr algn="ctr"/>
+            <a:r>
+              <a:rPr lang="en-US" sz="9600" dirty="0">
+                <a:solidFill>
+                  <a:schemeClr val="bg1">
+                    <a:lumMod val="95000"/>
+                  </a:schemeClr>
+                </a:solidFill>
+                <a:latin typeface="Century" pitchFamily="18" charset="0"/>
+              </a:rPr>
+              <a:t>ZS</a:t>
+            </a:r>
+          </a:p>
+        </p:txBody>
+      </p:sp>
+      <p:sp>
+        <p:nvSpPr>
+          <p:cNvPr id="5" name="Rounded Rectangle 7">
+            <a:extLst>
+              <a:ext uri="{FF2B5EF4-FFF2-40B4-BE49-F238E27FC236}">
+                <a16:creationId xmlns:a16="http://schemas.microsoft.com/office/drawing/2014/main" id="{3844E2A3-CAB1-4DCF-A73C-2677FB58283D}"/>
+              </a:ext>
+            </a:extLst>
+          </p:cNvPr>
+          <p:cNvSpPr>
+            <a:spLocks/>
+          </p:cNvSpPr>
+          <p:nvPr/>
+        </p:nvSpPr>
+        <p:spPr>
+          <a:xfrm>
+            <a:off x="914400" y="800100"/>
+            <a:ext cx="2057400" cy="2057400"/>
+          </a:xfrm>
+          <a:prstGeom prst="roundRect">
+            <a:avLst/>
+          </a:prstGeom>
+          <a:solidFill>
+            <a:srgbClr val="99BB33"/>
+          </a:solidFill>
+          <a:ln w="76200">
+            <a:solidFill>
+              <a:srgbClr val="669900"/>
+            </a:solidFill>
+          </a:ln>
+        </p:spPr>
+        <p:style>
+          <a:lnRef idx="1">
+            <a:schemeClr val="dk1"/>
+          </a:lnRef>
+          <a:fillRef idx="2">
+            <a:schemeClr val="dk1"/>
+          </a:fillRef>
+          <a:effectRef idx="1">
+            <a:schemeClr val="dk1"/>
+          </a:effectRef>
+          <a:fontRef idx="minor">
+            <a:schemeClr val="dk1"/>
+          </a:fontRef>
+        </p:style>
+        <p:txBody>
+          <a:bodyPr lIns="91440" rtlCol="0" anchor="ctr">
+            <a:normAutofit lnSpcReduction="10000"/>
+          </a:bodyPr>
+          <a:lstStyle/>
+          <a:p>
+            <a:pPr algn="ctr"/>
+            <a:r>
+              <a:rPr lang="en-US" sz="12000" dirty="0">
+                <a:solidFill>
+                  <a:schemeClr val="bg1">
+                    <a:lumMod val="95000"/>
+                  </a:schemeClr>
+                </a:solidFill>
+                <a:latin typeface="Century" pitchFamily="18" charset="0"/>
+              </a:rPr>
+              <a:t>Z</a:t>
+            </a:r>
+          </a:p>
+        </p:txBody>
+      </p:sp>
+    </p:spTree>
+    <p:extLst>
+      <p:ext uri="{BB962C8B-B14F-4D97-AF65-F5344CB8AC3E}">
+        <p14:creationId xmlns:p14="http://schemas.microsoft.com/office/powerpoint/2010/main" val="342783128"/>
       </p:ext>
     </p:extLst>
   </p:cSld>

--- a/HymnIcons.pptx
+++ b/HymnIcons.pptx
@@ -214,7 +214,7 @@
           <a:p>
             <a:fld id="{EF9CD902-8637-1048-BDEB-F124F7F64116}" type="datetimeFigureOut">
               <a:rPr lang="en-US" smtClean="0"/>
-              <a:t>3/14/2020</a:t>
+              <a:t>5/9/2020</a:t>
             </a:fld>
             <a:endParaRPr lang="en-US"/>
           </a:p>
@@ -744,7 +744,7 @@
           <a:p>
             <a:fld id="{477B3B45-EB55-46BF-8EE7-F91257854600}" type="datetimeFigureOut">
               <a:rPr lang="en-US" smtClean="0"/>
-              <a:t>3/14/2020</a:t>
+              <a:t>5/9/2020</a:t>
             </a:fld>
             <a:endParaRPr lang="en-US"/>
           </a:p>
@@ -907,7 +907,7 @@
           <a:p>
             <a:fld id="{477B3B45-EB55-46BF-8EE7-F91257854600}" type="datetimeFigureOut">
               <a:rPr lang="en-US" smtClean="0"/>
-              <a:t>3/14/2020</a:t>
+              <a:t>5/9/2020</a:t>
             </a:fld>
             <a:endParaRPr lang="en-US"/>
           </a:p>
@@ -1080,7 +1080,7 @@
           <a:p>
             <a:fld id="{477B3B45-EB55-46BF-8EE7-F91257854600}" type="datetimeFigureOut">
               <a:rPr lang="en-US" smtClean="0"/>
-              <a:t>3/14/2020</a:t>
+              <a:t>5/9/2020</a:t>
             </a:fld>
             <a:endParaRPr lang="en-US"/>
           </a:p>
@@ -1243,7 +1243,7 @@
           <a:p>
             <a:fld id="{477B3B45-EB55-46BF-8EE7-F91257854600}" type="datetimeFigureOut">
               <a:rPr lang="en-US" smtClean="0"/>
-              <a:t>3/14/2020</a:t>
+              <a:t>5/9/2020</a:t>
             </a:fld>
             <a:endParaRPr lang="en-US"/>
           </a:p>
@@ -1483,7 +1483,7 @@
           <a:p>
             <a:fld id="{477B3B45-EB55-46BF-8EE7-F91257854600}" type="datetimeFigureOut">
               <a:rPr lang="en-US" smtClean="0"/>
-              <a:t>3/14/2020</a:t>
+              <a:t>5/9/2020</a:t>
             </a:fld>
             <a:endParaRPr lang="en-US"/>
           </a:p>
@@ -1763,7 +1763,7 @@
           <a:p>
             <a:fld id="{477B3B45-EB55-46BF-8EE7-F91257854600}" type="datetimeFigureOut">
               <a:rPr lang="en-US" smtClean="0"/>
-              <a:t>3/14/2020</a:t>
+              <a:t>5/9/2020</a:t>
             </a:fld>
             <a:endParaRPr lang="en-US"/>
           </a:p>
@@ -2177,7 +2177,7 @@
           <a:p>
             <a:fld id="{477B3B45-EB55-46BF-8EE7-F91257854600}" type="datetimeFigureOut">
               <a:rPr lang="en-US" smtClean="0"/>
-              <a:t>3/14/2020</a:t>
+              <a:t>5/9/2020</a:t>
             </a:fld>
             <a:endParaRPr lang="en-US"/>
           </a:p>
@@ -2289,7 +2289,7 @@
           <a:p>
             <a:fld id="{477B3B45-EB55-46BF-8EE7-F91257854600}" type="datetimeFigureOut">
               <a:rPr lang="en-US" smtClean="0"/>
-              <a:t>3/14/2020</a:t>
+              <a:t>5/9/2020</a:t>
             </a:fld>
             <a:endParaRPr lang="en-US"/>
           </a:p>
@@ -2379,7 +2379,7 @@
           <a:p>
             <a:fld id="{477B3B45-EB55-46BF-8EE7-F91257854600}" type="datetimeFigureOut">
               <a:rPr lang="en-US" smtClean="0"/>
-              <a:t>3/14/2020</a:t>
+              <a:t>5/9/2020</a:t>
             </a:fld>
             <a:endParaRPr lang="en-US"/>
           </a:p>
@@ -2649,7 +2649,7 @@
           <a:p>
             <a:fld id="{477B3B45-EB55-46BF-8EE7-F91257854600}" type="datetimeFigureOut">
               <a:rPr lang="en-US" smtClean="0"/>
-              <a:t>3/14/2020</a:t>
+              <a:t>5/9/2020</a:t>
             </a:fld>
             <a:endParaRPr lang="en-US"/>
           </a:p>
@@ -2896,7 +2896,7 @@
           <a:p>
             <a:fld id="{477B3B45-EB55-46BF-8EE7-F91257854600}" type="datetimeFigureOut">
               <a:rPr lang="en-US" smtClean="0"/>
-              <a:t>3/14/2020</a:t>
+              <a:t>5/9/2020</a:t>
             </a:fld>
             <a:endParaRPr lang="en-US"/>
           </a:p>
@@ -3102,7 +3102,7 @@
           <a:p>
             <a:fld id="{477B3B45-EB55-46BF-8EE7-F91257854600}" type="datetimeFigureOut">
               <a:rPr lang="en-US" smtClean="0"/>
-              <a:t>3/14/2020</a:t>
+              <a:t>5/9/2020</a:t>
             </a:fld>
             <a:endParaRPr lang="en-US"/>
           </a:p>
@@ -5514,7 +5514,7 @@
                 </a:solidFill>
                 <a:latin typeface="Century" pitchFamily="18" charset="0"/>
               </a:rPr>
-              <a:t>?</a:t>
+              <a:t>I</a:t>
             </a:r>
           </a:p>
         </p:txBody>

--- a/HymnIcons.pptx
+++ b/HymnIcons.pptx
@@ -214,7 +214,7 @@
           <a:p>
             <a:fld id="{EF9CD902-8637-1048-BDEB-F124F7F64116}" type="datetimeFigureOut">
               <a:rPr lang="en-US" smtClean="0"/>
-              <a:t>5/9/2020</a:t>
+              <a:t>10/10/2020</a:t>
             </a:fld>
             <a:endParaRPr lang="en-US"/>
           </a:p>
@@ -744,7 +744,7 @@
           <a:p>
             <a:fld id="{477B3B45-EB55-46BF-8EE7-F91257854600}" type="datetimeFigureOut">
               <a:rPr lang="en-US" smtClean="0"/>
-              <a:t>5/9/2020</a:t>
+              <a:t>10/10/2020</a:t>
             </a:fld>
             <a:endParaRPr lang="en-US"/>
           </a:p>
@@ -907,7 +907,7 @@
           <a:p>
             <a:fld id="{477B3B45-EB55-46BF-8EE7-F91257854600}" type="datetimeFigureOut">
               <a:rPr lang="en-US" smtClean="0"/>
-              <a:t>5/9/2020</a:t>
+              <a:t>10/10/2020</a:t>
             </a:fld>
             <a:endParaRPr lang="en-US"/>
           </a:p>
@@ -1080,7 +1080,7 @@
           <a:p>
             <a:fld id="{477B3B45-EB55-46BF-8EE7-F91257854600}" type="datetimeFigureOut">
               <a:rPr lang="en-US" smtClean="0"/>
-              <a:t>5/9/2020</a:t>
+              <a:t>10/10/2020</a:t>
             </a:fld>
             <a:endParaRPr lang="en-US"/>
           </a:p>
@@ -1243,7 +1243,7 @@
           <a:p>
             <a:fld id="{477B3B45-EB55-46BF-8EE7-F91257854600}" type="datetimeFigureOut">
               <a:rPr lang="en-US" smtClean="0"/>
-              <a:t>5/9/2020</a:t>
+              <a:t>10/10/2020</a:t>
             </a:fld>
             <a:endParaRPr lang="en-US"/>
           </a:p>
@@ -1483,7 +1483,7 @@
           <a:p>
             <a:fld id="{477B3B45-EB55-46BF-8EE7-F91257854600}" type="datetimeFigureOut">
               <a:rPr lang="en-US" smtClean="0"/>
-              <a:t>5/9/2020</a:t>
+              <a:t>10/10/2020</a:t>
             </a:fld>
             <a:endParaRPr lang="en-US"/>
           </a:p>
@@ -1763,7 +1763,7 @@
           <a:p>
             <a:fld id="{477B3B45-EB55-46BF-8EE7-F91257854600}" type="datetimeFigureOut">
               <a:rPr lang="en-US" smtClean="0"/>
-              <a:t>5/9/2020</a:t>
+              <a:t>10/10/2020</a:t>
             </a:fld>
             <a:endParaRPr lang="en-US"/>
           </a:p>
@@ -2177,7 +2177,7 @@
           <a:p>
             <a:fld id="{477B3B45-EB55-46BF-8EE7-F91257854600}" type="datetimeFigureOut">
               <a:rPr lang="en-US" smtClean="0"/>
-              <a:t>5/9/2020</a:t>
+              <a:t>10/10/2020</a:t>
             </a:fld>
             <a:endParaRPr lang="en-US"/>
           </a:p>
@@ -2289,7 +2289,7 @@
           <a:p>
             <a:fld id="{477B3B45-EB55-46BF-8EE7-F91257854600}" type="datetimeFigureOut">
               <a:rPr lang="en-US" smtClean="0"/>
-              <a:t>5/9/2020</a:t>
+              <a:t>10/10/2020</a:t>
             </a:fld>
             <a:endParaRPr lang="en-US"/>
           </a:p>
@@ -2379,7 +2379,7 @@
           <a:p>
             <a:fld id="{477B3B45-EB55-46BF-8EE7-F91257854600}" type="datetimeFigureOut">
               <a:rPr lang="en-US" smtClean="0"/>
-              <a:t>5/9/2020</a:t>
+              <a:t>10/10/2020</a:t>
             </a:fld>
             <a:endParaRPr lang="en-US"/>
           </a:p>
@@ -2649,7 +2649,7 @@
           <a:p>
             <a:fld id="{477B3B45-EB55-46BF-8EE7-F91257854600}" type="datetimeFigureOut">
               <a:rPr lang="en-US" smtClean="0"/>
-              <a:t>5/9/2020</a:t>
+              <a:t>10/10/2020</a:t>
             </a:fld>
             <a:endParaRPr lang="en-US"/>
           </a:p>
@@ -2896,7 +2896,7 @@
           <a:p>
             <a:fld id="{477B3B45-EB55-46BF-8EE7-F91257854600}" type="datetimeFigureOut">
               <a:rPr lang="en-US" smtClean="0"/>
-              <a:t>5/9/2020</a:t>
+              <a:t>10/10/2020</a:t>
             </a:fld>
             <a:endParaRPr lang="en-US"/>
           </a:p>
@@ -3102,7 +3102,7 @@
           <a:p>
             <a:fld id="{477B3B45-EB55-46BF-8EE7-F91257854600}" type="datetimeFigureOut">
               <a:rPr lang="en-US" smtClean="0"/>
-              <a:t>5/9/2020</a:t>
+              <a:t>10/10/2020</a:t>
             </a:fld>
             <a:endParaRPr lang="en-US"/>
           </a:p>
@@ -4837,7 +4837,7 @@
         </p:nvSpPr>
         <p:spPr>
           <a:xfrm>
-            <a:off x="1155551" y="3352800"/>
+            <a:off x="1219200" y="3800707"/>
             <a:ext cx="2057400" cy="2057400"/>
           </a:xfrm>
           <a:prstGeom prst="roundRect">
@@ -4882,7 +4882,7 @@
                 </a:solidFill>
                 <a:latin typeface="Century" pitchFamily="18" charset="0"/>
               </a:rPr>
-              <a:t>?</a:t>
+              <a:t>F</a:t>
             </a:r>
           </a:p>
         </p:txBody>

--- a/HymnIcons.pptx
+++ b/HymnIcons.pptx
@@ -214,7 +214,7 @@
           <a:p>
             <a:fld id="{EF9CD902-8637-1048-BDEB-F124F7F64116}" type="datetimeFigureOut">
               <a:rPr lang="en-US" smtClean="0"/>
-              <a:t>10/10/2020</a:t>
+              <a:t>2/5/2024</a:t>
             </a:fld>
             <a:endParaRPr lang="en-US"/>
           </a:p>
@@ -744,7 +744,7 @@
           <a:p>
             <a:fld id="{477B3B45-EB55-46BF-8EE7-F91257854600}" type="datetimeFigureOut">
               <a:rPr lang="en-US" smtClean="0"/>
-              <a:t>10/10/2020</a:t>
+              <a:t>2/5/2024</a:t>
             </a:fld>
             <a:endParaRPr lang="en-US"/>
           </a:p>
@@ -907,7 +907,7 @@
           <a:p>
             <a:fld id="{477B3B45-EB55-46BF-8EE7-F91257854600}" type="datetimeFigureOut">
               <a:rPr lang="en-US" smtClean="0"/>
-              <a:t>10/10/2020</a:t>
+              <a:t>2/5/2024</a:t>
             </a:fld>
             <a:endParaRPr lang="en-US"/>
           </a:p>
@@ -1080,7 +1080,7 @@
           <a:p>
             <a:fld id="{477B3B45-EB55-46BF-8EE7-F91257854600}" type="datetimeFigureOut">
               <a:rPr lang="en-US" smtClean="0"/>
-              <a:t>10/10/2020</a:t>
+              <a:t>2/5/2024</a:t>
             </a:fld>
             <a:endParaRPr lang="en-US"/>
           </a:p>
@@ -1243,7 +1243,7 @@
           <a:p>
             <a:fld id="{477B3B45-EB55-46BF-8EE7-F91257854600}" type="datetimeFigureOut">
               <a:rPr lang="en-US" smtClean="0"/>
-              <a:t>10/10/2020</a:t>
+              <a:t>2/5/2024</a:t>
             </a:fld>
             <a:endParaRPr lang="en-US"/>
           </a:p>
@@ -1483,7 +1483,7 @@
           <a:p>
             <a:fld id="{477B3B45-EB55-46BF-8EE7-F91257854600}" type="datetimeFigureOut">
               <a:rPr lang="en-US" smtClean="0"/>
-              <a:t>10/10/2020</a:t>
+              <a:t>2/5/2024</a:t>
             </a:fld>
             <a:endParaRPr lang="en-US"/>
           </a:p>
@@ -1763,7 +1763,7 @@
           <a:p>
             <a:fld id="{477B3B45-EB55-46BF-8EE7-F91257854600}" type="datetimeFigureOut">
               <a:rPr lang="en-US" smtClean="0"/>
-              <a:t>10/10/2020</a:t>
+              <a:t>2/5/2024</a:t>
             </a:fld>
             <a:endParaRPr lang="en-US"/>
           </a:p>
@@ -2177,7 +2177,7 @@
           <a:p>
             <a:fld id="{477B3B45-EB55-46BF-8EE7-F91257854600}" type="datetimeFigureOut">
               <a:rPr lang="en-US" smtClean="0"/>
-              <a:t>10/10/2020</a:t>
+              <a:t>2/5/2024</a:t>
             </a:fld>
             <a:endParaRPr lang="en-US"/>
           </a:p>
@@ -2289,7 +2289,7 @@
           <a:p>
             <a:fld id="{477B3B45-EB55-46BF-8EE7-F91257854600}" type="datetimeFigureOut">
               <a:rPr lang="en-US" smtClean="0"/>
-              <a:t>10/10/2020</a:t>
+              <a:t>2/5/2024</a:t>
             </a:fld>
             <a:endParaRPr lang="en-US"/>
           </a:p>
@@ -2379,7 +2379,7 @@
           <a:p>
             <a:fld id="{477B3B45-EB55-46BF-8EE7-F91257854600}" type="datetimeFigureOut">
               <a:rPr lang="en-US" smtClean="0"/>
-              <a:t>10/10/2020</a:t>
+              <a:t>2/5/2024</a:t>
             </a:fld>
             <a:endParaRPr lang="en-US"/>
           </a:p>
@@ -2649,7 +2649,7 @@
           <a:p>
             <a:fld id="{477B3B45-EB55-46BF-8EE7-F91257854600}" type="datetimeFigureOut">
               <a:rPr lang="en-US" smtClean="0"/>
-              <a:t>10/10/2020</a:t>
+              <a:t>2/5/2024</a:t>
             </a:fld>
             <a:endParaRPr lang="en-US"/>
           </a:p>
@@ -2896,7 +2896,7 @@
           <a:p>
             <a:fld id="{477B3B45-EB55-46BF-8EE7-F91257854600}" type="datetimeFigureOut">
               <a:rPr lang="en-US" smtClean="0"/>
-              <a:t>10/10/2020</a:t>
+              <a:t>2/5/2024</a:t>
             </a:fld>
             <a:endParaRPr lang="en-US"/>
           </a:p>
@@ -3102,7 +3102,7 @@
           <a:p>
             <a:fld id="{477B3B45-EB55-46BF-8EE7-F91257854600}" type="datetimeFigureOut">
               <a:rPr lang="en-US" smtClean="0"/>
-              <a:t>10/10/2020</a:t>
+              <a:t>2/5/2024</a:t>
             </a:fld>
             <a:endParaRPr lang="en-US"/>
           </a:p>
@@ -5026,7 +5026,7 @@
         </p:style>
         <p:txBody>
           <a:bodyPr rtlCol="0" anchor="ctr">
-            <a:normAutofit/>
+            <a:normAutofit fontScale="92500"/>
           </a:bodyPr>
           <a:lstStyle/>
           <a:p>
@@ -5040,7 +5040,7 @@
                 </a:solidFill>
                 <a:latin typeface="Century" pitchFamily="18" charset="0"/>
               </a:rPr>
-              <a:t>?</a:t>
+              <a:t>SK</a:t>
             </a:r>
           </a:p>
         </p:txBody>
